--- a/Weekly-Reports/KTH-ElectrocThermalModel.pptx
+++ b/Weekly-Reports/KTH-ElectrocThermalModel.pptx
@@ -7,6 +7,8 @@
   <p:sldIdLst>
     <p:sldId id="256" r:id="rId2"/>
     <p:sldId id="258" r:id="rId3"/>
+    <p:sldId id="259" r:id="rId4"/>
+    <p:sldId id="260" r:id="rId5"/>
   </p:sldIdLst>
   <p:sldSz cx="25199975" cy="25199975"/>
   <p:notesSz cx="6858000" cy="9144000"/>
@@ -244,7 +246,7 @@
           <a:p>
             <a:fld id="{D647BFF9-6675-4A7E-A32C-C747C294E66B}" type="datetimeFigureOut">
               <a:rPr lang="sv-SE" smtClean="0"/>
-              <a:t>2023-10-18</a:t>
+              <a:t>2024-02-15</a:t>
             </a:fld>
             <a:endParaRPr lang="sv-SE"/>
           </a:p>
@@ -414,7 +416,7 @@
           <a:p>
             <a:fld id="{D647BFF9-6675-4A7E-A32C-C747C294E66B}" type="datetimeFigureOut">
               <a:rPr lang="sv-SE" smtClean="0"/>
-              <a:t>2023-10-18</a:t>
+              <a:t>2024-02-15</a:t>
             </a:fld>
             <a:endParaRPr lang="sv-SE"/>
           </a:p>
@@ -594,7 +596,7 @@
           <a:p>
             <a:fld id="{D647BFF9-6675-4A7E-A32C-C747C294E66B}" type="datetimeFigureOut">
               <a:rPr lang="sv-SE" smtClean="0"/>
-              <a:t>2023-10-18</a:t>
+              <a:t>2024-02-15</a:t>
             </a:fld>
             <a:endParaRPr lang="sv-SE"/>
           </a:p>
@@ -764,7 +766,7 @@
           <a:p>
             <a:fld id="{D647BFF9-6675-4A7E-A32C-C747C294E66B}" type="datetimeFigureOut">
               <a:rPr lang="sv-SE" smtClean="0"/>
-              <a:t>2023-10-18</a:t>
+              <a:t>2024-02-15</a:t>
             </a:fld>
             <a:endParaRPr lang="sv-SE"/>
           </a:p>
@@ -1008,7 +1010,7 @@
           <a:p>
             <a:fld id="{D647BFF9-6675-4A7E-A32C-C747C294E66B}" type="datetimeFigureOut">
               <a:rPr lang="sv-SE" smtClean="0"/>
-              <a:t>2023-10-18</a:t>
+              <a:t>2024-02-15</a:t>
             </a:fld>
             <a:endParaRPr lang="sv-SE"/>
           </a:p>
@@ -1240,7 +1242,7 @@
           <a:p>
             <a:fld id="{D647BFF9-6675-4A7E-A32C-C747C294E66B}" type="datetimeFigureOut">
               <a:rPr lang="sv-SE" smtClean="0"/>
-              <a:t>2023-10-18</a:t>
+              <a:t>2024-02-15</a:t>
             </a:fld>
             <a:endParaRPr lang="sv-SE"/>
           </a:p>
@@ -1607,7 +1609,7 @@
           <a:p>
             <a:fld id="{D647BFF9-6675-4A7E-A32C-C747C294E66B}" type="datetimeFigureOut">
               <a:rPr lang="sv-SE" smtClean="0"/>
-              <a:t>2023-10-18</a:t>
+              <a:t>2024-02-15</a:t>
             </a:fld>
             <a:endParaRPr lang="sv-SE"/>
           </a:p>
@@ -1725,7 +1727,7 @@
           <a:p>
             <a:fld id="{D647BFF9-6675-4A7E-A32C-C747C294E66B}" type="datetimeFigureOut">
               <a:rPr lang="sv-SE" smtClean="0"/>
-              <a:t>2023-10-18</a:t>
+              <a:t>2024-02-15</a:t>
             </a:fld>
             <a:endParaRPr lang="sv-SE"/>
           </a:p>
@@ -1820,7 +1822,7 @@
           <a:p>
             <a:fld id="{D647BFF9-6675-4A7E-A32C-C747C294E66B}" type="datetimeFigureOut">
               <a:rPr lang="sv-SE" smtClean="0"/>
-              <a:t>2023-10-18</a:t>
+              <a:t>2024-02-15</a:t>
             </a:fld>
             <a:endParaRPr lang="sv-SE"/>
           </a:p>
@@ -2097,7 +2099,7 @@
           <a:p>
             <a:fld id="{D647BFF9-6675-4A7E-A32C-C747C294E66B}" type="datetimeFigureOut">
               <a:rPr lang="sv-SE" smtClean="0"/>
-              <a:t>2023-10-18</a:t>
+              <a:t>2024-02-15</a:t>
             </a:fld>
             <a:endParaRPr lang="sv-SE"/>
           </a:p>
@@ -2354,7 +2356,7 @@
           <a:p>
             <a:fld id="{D647BFF9-6675-4A7E-A32C-C747C294E66B}" type="datetimeFigureOut">
               <a:rPr lang="sv-SE" smtClean="0"/>
-              <a:t>2023-10-18</a:t>
+              <a:t>2024-02-15</a:t>
             </a:fld>
             <a:endParaRPr lang="sv-SE"/>
           </a:p>
@@ -2567,7 +2569,7 @@
           <a:p>
             <a:fld id="{D647BFF9-6675-4A7E-A32C-C747C294E66B}" type="datetimeFigureOut">
               <a:rPr lang="sv-SE" smtClean="0"/>
-              <a:t>2023-10-18</a:t>
+              <a:t>2024-02-15</a:t>
             </a:fld>
             <a:endParaRPr lang="sv-SE"/>
           </a:p>
@@ -8532,6 +8534,4891 @@
 </p:sld>
 </file>
 
+<file path=ppt/slides/slide3.xml><?xml version="1.0" encoding="utf-8"?>
+<p:sld xmlns:a="http://schemas.openxmlformats.org/drawingml/2006/main" xmlns:r="http://schemas.openxmlformats.org/officeDocument/2006/relationships" xmlns:p="http://schemas.openxmlformats.org/presentationml/2006/main">
+  <p:cSld>
+    <p:spTree>
+      <p:nvGrpSpPr>
+        <p:cNvPr id="1" name=""/>
+        <p:cNvGrpSpPr/>
+        <p:nvPr/>
+      </p:nvGrpSpPr>
+      <p:grpSpPr>
+        <a:xfrm>
+          <a:off x="0" y="0"/>
+          <a:ext cx="0" cy="0"/>
+          <a:chOff x="0" y="0"/>
+          <a:chExt cx="0" cy="0"/>
+        </a:xfrm>
+      </p:grpSpPr>
+      <p:sp>
+        <p:nvSpPr>
+          <p:cNvPr id="205" name="Rounded Rectangle 204"/>
+          <p:cNvSpPr/>
+          <p:nvPr/>
+        </p:nvSpPr>
+        <p:spPr>
+          <a:xfrm>
+            <a:off x="9661821" y="3090064"/>
+            <a:ext cx="3314812" cy="602172"/>
+          </a:xfrm>
+          <a:prstGeom prst="roundRect">
+            <a:avLst/>
+          </a:prstGeom>
+          <a:noFill/>
+          <a:ln>
+            <a:solidFill>
+              <a:schemeClr val="tx1"/>
+            </a:solidFill>
+          </a:ln>
+          <a:effectLst>
+            <a:outerShdw blurRad="50800" dist="50800" dir="5400000" sy="23000" kx="-1200000" algn="ctr" rotWithShape="0">
+              <a:srgbClr val="000000">
+                <a:alpha val="0"/>
+              </a:srgbClr>
+            </a:outerShdw>
+          </a:effectLst>
+        </p:spPr>
+        <p:style>
+          <a:lnRef idx="2">
+            <a:schemeClr val="accent1">
+              <a:shade val="50000"/>
+            </a:schemeClr>
+          </a:lnRef>
+          <a:fillRef idx="1">
+            <a:schemeClr val="accent1"/>
+          </a:fillRef>
+          <a:effectRef idx="0">
+            <a:schemeClr val="accent1"/>
+          </a:effectRef>
+          <a:fontRef idx="minor">
+            <a:schemeClr val="lt1"/>
+          </a:fontRef>
+        </p:style>
+        <p:txBody>
+          <a:bodyPr rot="0" spcFirstLastPara="0" vertOverflow="overflow" horzOverflow="overflow" vert="horz" wrap="square" lIns="135005" tIns="67504" rIns="135005" bIns="67504" numCol="1" spcCol="0" rtlCol="0" fromWordArt="0" anchor="ctr" anchorCtr="0" forceAA="0" compatLnSpc="1">
+            <a:prstTxWarp prst="textNoShape">
+              <a:avLst/>
+            </a:prstTxWarp>
+            <a:noAutofit/>
+          </a:bodyPr>
+          <a:lstStyle/>
+          <a:p>
+            <a:pPr algn="ctr"/>
+            <a:r>
+              <a:rPr lang="sv-SE" sz="2660" b="1" dirty="0" err="1">
+                <a:solidFill>
+                  <a:schemeClr val="tx1"/>
+                </a:solidFill>
+                <a:latin typeface="Times New Roman" panose="02020603050405020304" pitchFamily="18" charset="0"/>
+                <a:cs typeface="Times New Roman" panose="02020603050405020304" pitchFamily="18" charset="0"/>
+              </a:rPr>
+              <a:t>Topology</a:t>
+            </a:r>
+            <a:r>
+              <a:rPr lang="sv-SE" sz="2660" b="1" dirty="0">
+                <a:solidFill>
+                  <a:schemeClr val="tx1"/>
+                </a:solidFill>
+                <a:latin typeface="Times New Roman" panose="02020603050405020304" pitchFamily="18" charset="0"/>
+                <a:cs typeface="Times New Roman" panose="02020603050405020304" pitchFamily="18" charset="0"/>
+              </a:rPr>
+              <a:t> </a:t>
+            </a:r>
+            <a:r>
+              <a:rPr lang="sv-SE" sz="2660" b="1" dirty="0" err="1">
+                <a:solidFill>
+                  <a:schemeClr val="tx1"/>
+                </a:solidFill>
+                <a:latin typeface="Times New Roman" panose="02020603050405020304" pitchFamily="18" charset="0"/>
+                <a:cs typeface="Times New Roman" panose="02020603050405020304" pitchFamily="18" charset="0"/>
+              </a:rPr>
+              <a:t>Selection</a:t>
+            </a:r>
+            <a:r>
+              <a:rPr lang="sv-SE" sz="2660" b="1" dirty="0">
+                <a:solidFill>
+                  <a:schemeClr val="tx1"/>
+                </a:solidFill>
+                <a:latin typeface="Times New Roman" panose="02020603050405020304" pitchFamily="18" charset="0"/>
+                <a:cs typeface="Times New Roman" panose="02020603050405020304" pitchFamily="18" charset="0"/>
+              </a:rPr>
+              <a:t> </a:t>
+            </a:r>
+          </a:p>
+        </p:txBody>
+      </p:sp>
+      <p:cxnSp>
+        <p:nvCxnSpPr>
+          <p:cNvPr id="206" name="Straight Arrow Connector 205"/>
+          <p:cNvCxnSpPr>
+            <a:stCxn id="214" idx="1"/>
+            <a:endCxn id="205" idx="3"/>
+          </p:cNvCxnSpPr>
+          <p:nvPr/>
+        </p:nvCxnSpPr>
+        <p:spPr>
+          <a:xfrm flipH="1" flipV="1">
+            <a:off x="12976633" y="3391151"/>
+            <a:ext cx="2497108" cy="13224"/>
+          </a:xfrm>
+          <a:prstGeom prst="straightConnector1">
+            <a:avLst/>
+          </a:prstGeom>
+          <a:ln w="25400">
+            <a:solidFill>
+              <a:schemeClr val="tx1"/>
+            </a:solidFill>
+            <a:tailEnd type="triangle"/>
+          </a:ln>
+          <a:effectLst>
+            <a:outerShdw blurRad="50800" dist="50800" dir="5400000" algn="ctr" rotWithShape="0">
+              <a:srgbClr val="000000">
+                <a:alpha val="0"/>
+              </a:srgbClr>
+            </a:outerShdw>
+            <a:reflection endPos="2000" dist="50800" dir="5400000" sy="-100000" algn="bl" rotWithShape="0"/>
+          </a:effectLst>
+        </p:spPr>
+        <p:style>
+          <a:lnRef idx="1">
+            <a:schemeClr val="accent1"/>
+          </a:lnRef>
+          <a:fillRef idx="0">
+            <a:schemeClr val="accent1"/>
+          </a:fillRef>
+          <a:effectRef idx="0">
+            <a:schemeClr val="accent1"/>
+          </a:effectRef>
+          <a:fontRef idx="minor">
+            <a:schemeClr val="tx1"/>
+          </a:fontRef>
+        </p:style>
+      </p:cxnSp>
+      <p:cxnSp>
+        <p:nvCxnSpPr>
+          <p:cNvPr id="207" name="Straight Arrow Connector 206"/>
+          <p:cNvCxnSpPr>
+            <a:stCxn id="205" idx="2"/>
+            <a:endCxn id="209" idx="0"/>
+          </p:cNvCxnSpPr>
+          <p:nvPr/>
+        </p:nvCxnSpPr>
+        <p:spPr>
+          <a:xfrm flipH="1">
+            <a:off x="11319225" y="3692236"/>
+            <a:ext cx="2" cy="1481496"/>
+          </a:xfrm>
+          <a:prstGeom prst="straightConnector1">
+            <a:avLst/>
+          </a:prstGeom>
+          <a:ln w="25400">
+            <a:solidFill>
+              <a:schemeClr val="tx1"/>
+            </a:solidFill>
+            <a:tailEnd type="triangle"/>
+          </a:ln>
+          <a:effectLst>
+            <a:outerShdw blurRad="50800" dist="50800" dir="5400000" algn="ctr" rotWithShape="0">
+              <a:srgbClr val="000000">
+                <a:alpha val="0"/>
+              </a:srgbClr>
+            </a:outerShdw>
+            <a:reflection endPos="2000" dist="50800" dir="5400000" sy="-100000" algn="bl" rotWithShape="0"/>
+          </a:effectLst>
+        </p:spPr>
+        <p:style>
+          <a:lnRef idx="1">
+            <a:schemeClr val="accent1"/>
+          </a:lnRef>
+          <a:fillRef idx="0">
+            <a:schemeClr val="accent1"/>
+          </a:fillRef>
+          <a:effectRef idx="0">
+            <a:schemeClr val="accent1"/>
+          </a:effectRef>
+          <a:fontRef idx="minor">
+            <a:schemeClr val="tx1"/>
+          </a:fontRef>
+        </p:style>
+      </p:cxnSp>
+      <p:sp>
+        <p:nvSpPr>
+          <p:cNvPr id="208" name="Rounded Rectangle 207"/>
+          <p:cNvSpPr/>
+          <p:nvPr/>
+        </p:nvSpPr>
+        <p:spPr>
+          <a:xfrm>
+            <a:off x="9661821" y="7331836"/>
+            <a:ext cx="3314812" cy="452876"/>
+          </a:xfrm>
+          <a:prstGeom prst="roundRect">
+            <a:avLst/>
+          </a:prstGeom>
+          <a:noFill/>
+          <a:ln>
+            <a:solidFill>
+              <a:schemeClr val="tx1"/>
+            </a:solidFill>
+          </a:ln>
+          <a:effectLst>
+            <a:outerShdw blurRad="50800" dist="50800" dir="5400000" sy="23000" kx="-1200000" algn="ctr" rotWithShape="0">
+              <a:srgbClr val="000000">
+                <a:alpha val="0"/>
+              </a:srgbClr>
+            </a:outerShdw>
+          </a:effectLst>
+        </p:spPr>
+        <p:style>
+          <a:lnRef idx="2">
+            <a:schemeClr val="accent1">
+              <a:shade val="50000"/>
+            </a:schemeClr>
+          </a:lnRef>
+          <a:fillRef idx="1">
+            <a:schemeClr val="accent1"/>
+          </a:fillRef>
+          <a:effectRef idx="0">
+            <a:schemeClr val="accent1"/>
+          </a:effectRef>
+          <a:fontRef idx="minor">
+            <a:schemeClr val="lt1"/>
+          </a:fontRef>
+        </p:style>
+        <p:txBody>
+          <a:bodyPr rot="0" spcFirstLastPara="0" vertOverflow="overflow" horzOverflow="overflow" vert="horz" wrap="square" lIns="135005" tIns="67504" rIns="135005" bIns="67504" numCol="1" spcCol="0" rtlCol="0" fromWordArt="0" anchor="ctr" anchorCtr="0" forceAA="0" compatLnSpc="1">
+            <a:prstTxWarp prst="textNoShape">
+              <a:avLst/>
+            </a:prstTxWarp>
+            <a:noAutofit/>
+          </a:bodyPr>
+          <a:lstStyle/>
+          <a:p>
+            <a:pPr algn="ctr"/>
+            <a:r>
+              <a:rPr lang="sv-SE" sz="2660" b="1" dirty="0">
+                <a:solidFill>
+                  <a:schemeClr val="tx1"/>
+                </a:solidFill>
+                <a:latin typeface="Times New Roman" panose="02020603050405020304" pitchFamily="18" charset="0"/>
+                <a:cs typeface="Times New Roman" panose="02020603050405020304" pitchFamily="18" charset="0"/>
+              </a:rPr>
+              <a:t>Drive </a:t>
+            </a:r>
+            <a:r>
+              <a:rPr lang="sv-SE" sz="2660" b="1" dirty="0" err="1">
+                <a:solidFill>
+                  <a:schemeClr val="tx1"/>
+                </a:solidFill>
+                <a:latin typeface="Times New Roman" panose="02020603050405020304" pitchFamily="18" charset="0"/>
+                <a:cs typeface="Times New Roman" panose="02020603050405020304" pitchFamily="18" charset="0"/>
+              </a:rPr>
+              <a:t>Cycle</a:t>
+            </a:r>
+            <a:endParaRPr lang="sv-SE" sz="2660" b="1" dirty="0">
+              <a:solidFill>
+                <a:schemeClr val="tx1"/>
+              </a:solidFill>
+              <a:latin typeface="Times New Roman" panose="02020603050405020304" pitchFamily="18" charset="0"/>
+              <a:cs typeface="Times New Roman" panose="02020603050405020304" pitchFamily="18" charset="0"/>
+            </a:endParaRPr>
+          </a:p>
+        </p:txBody>
+      </p:sp>
+      <p:sp>
+        <p:nvSpPr>
+          <p:cNvPr id="209" name="Rounded Rectangle 208"/>
+          <p:cNvSpPr/>
+          <p:nvPr/>
+        </p:nvSpPr>
+        <p:spPr>
+          <a:xfrm>
+            <a:off x="9338244" y="5173732"/>
+            <a:ext cx="3961962" cy="974589"/>
+          </a:xfrm>
+          <a:prstGeom prst="roundRect">
+            <a:avLst/>
+          </a:prstGeom>
+          <a:noFill/>
+          <a:ln>
+            <a:solidFill>
+              <a:schemeClr val="tx1"/>
+            </a:solidFill>
+          </a:ln>
+          <a:effectLst>
+            <a:outerShdw blurRad="50800" dist="50800" dir="5400000" sy="23000" kx="-1200000" algn="ctr" rotWithShape="0">
+              <a:srgbClr val="000000">
+                <a:alpha val="0"/>
+              </a:srgbClr>
+            </a:outerShdw>
+          </a:effectLst>
+        </p:spPr>
+        <p:style>
+          <a:lnRef idx="2">
+            <a:schemeClr val="accent1">
+              <a:shade val="50000"/>
+            </a:schemeClr>
+          </a:lnRef>
+          <a:fillRef idx="1">
+            <a:schemeClr val="accent1"/>
+          </a:fillRef>
+          <a:effectRef idx="0">
+            <a:schemeClr val="accent1"/>
+          </a:effectRef>
+          <a:fontRef idx="minor">
+            <a:schemeClr val="lt1"/>
+          </a:fontRef>
+        </p:style>
+        <p:txBody>
+          <a:bodyPr rot="0" spcFirstLastPara="0" vertOverflow="overflow" horzOverflow="overflow" vert="horz" wrap="square" lIns="135005" tIns="67504" rIns="135005" bIns="67504" numCol="1" spcCol="0" rtlCol="0" fromWordArt="0" anchor="ctr" anchorCtr="0" forceAA="0" compatLnSpc="1">
+            <a:prstTxWarp prst="textNoShape">
+              <a:avLst/>
+            </a:prstTxWarp>
+            <a:noAutofit/>
+          </a:bodyPr>
+          <a:lstStyle/>
+          <a:p>
+            <a:pPr algn="ctr"/>
+            <a:r>
+              <a:rPr lang="sv-SE" sz="2660" b="1" dirty="0" err="1">
+                <a:solidFill>
+                  <a:schemeClr val="tx1"/>
+                </a:solidFill>
+                <a:latin typeface="Times New Roman" panose="02020603050405020304" pitchFamily="18" charset="0"/>
+                <a:cs typeface="Times New Roman" panose="02020603050405020304" pitchFamily="18" charset="0"/>
+              </a:rPr>
+              <a:t>Semiconductor</a:t>
+            </a:r>
+            <a:r>
+              <a:rPr lang="sv-SE" sz="2660" b="1" dirty="0">
+                <a:solidFill>
+                  <a:schemeClr val="tx1"/>
+                </a:solidFill>
+                <a:latin typeface="Times New Roman" panose="02020603050405020304" pitchFamily="18" charset="0"/>
+                <a:cs typeface="Times New Roman" panose="02020603050405020304" pitchFamily="18" charset="0"/>
+              </a:rPr>
+              <a:t> and </a:t>
+            </a:r>
+            <a:r>
+              <a:rPr lang="sv-SE" sz="2660" b="1" dirty="0" err="1" smtClean="0">
+                <a:solidFill>
+                  <a:schemeClr val="tx1"/>
+                </a:solidFill>
+                <a:latin typeface="Times New Roman" panose="02020603050405020304" pitchFamily="18" charset="0"/>
+                <a:cs typeface="Times New Roman" panose="02020603050405020304" pitchFamily="18" charset="0"/>
+              </a:rPr>
+              <a:t>Capacitor</a:t>
+            </a:r>
+            <a:r>
+              <a:rPr lang="sv-SE" sz="2660" b="1" dirty="0" smtClean="0">
+                <a:solidFill>
+                  <a:schemeClr val="tx1"/>
+                </a:solidFill>
+                <a:latin typeface="Times New Roman" panose="02020603050405020304" pitchFamily="18" charset="0"/>
+                <a:cs typeface="Times New Roman" panose="02020603050405020304" pitchFamily="18" charset="0"/>
+              </a:rPr>
+              <a:t> </a:t>
+            </a:r>
+            <a:r>
+              <a:rPr lang="sv-SE" sz="2660" b="1" dirty="0" err="1" smtClean="0">
+                <a:solidFill>
+                  <a:schemeClr val="tx1"/>
+                </a:solidFill>
+                <a:latin typeface="Times New Roman" panose="02020603050405020304" pitchFamily="18" charset="0"/>
+                <a:cs typeface="Times New Roman" panose="02020603050405020304" pitchFamily="18" charset="0"/>
+              </a:rPr>
+              <a:t>Selection</a:t>
+            </a:r>
+            <a:endParaRPr lang="sv-SE" sz="2660" b="1" dirty="0">
+              <a:solidFill>
+                <a:schemeClr val="tx1"/>
+              </a:solidFill>
+              <a:latin typeface="Times New Roman" panose="02020603050405020304" pitchFamily="18" charset="0"/>
+              <a:cs typeface="Times New Roman" panose="02020603050405020304" pitchFamily="18" charset="0"/>
+            </a:endParaRPr>
+          </a:p>
+        </p:txBody>
+      </p:sp>
+      <p:cxnSp>
+        <p:nvCxnSpPr>
+          <p:cNvPr id="210" name="Straight Arrow Connector 209"/>
+          <p:cNvCxnSpPr>
+            <a:stCxn id="209" idx="2"/>
+            <a:endCxn id="208" idx="0"/>
+          </p:cNvCxnSpPr>
+          <p:nvPr/>
+        </p:nvCxnSpPr>
+        <p:spPr>
+          <a:xfrm>
+            <a:off x="11319225" y="6148321"/>
+            <a:ext cx="2" cy="1183515"/>
+          </a:xfrm>
+          <a:prstGeom prst="straightConnector1">
+            <a:avLst/>
+          </a:prstGeom>
+          <a:ln w="25400">
+            <a:solidFill>
+              <a:schemeClr val="tx1"/>
+            </a:solidFill>
+            <a:tailEnd type="triangle"/>
+          </a:ln>
+          <a:effectLst>
+            <a:outerShdw blurRad="50800" dist="50800" dir="5400000" algn="ctr" rotWithShape="0">
+              <a:srgbClr val="000000">
+                <a:alpha val="0"/>
+              </a:srgbClr>
+            </a:outerShdw>
+            <a:reflection endPos="2000" dist="50800" dir="5400000" sy="-100000" algn="bl" rotWithShape="0"/>
+          </a:effectLst>
+        </p:spPr>
+        <p:style>
+          <a:lnRef idx="1">
+            <a:schemeClr val="accent1"/>
+          </a:lnRef>
+          <a:fillRef idx="0">
+            <a:schemeClr val="accent1"/>
+          </a:fillRef>
+          <a:effectRef idx="0">
+            <a:schemeClr val="accent1"/>
+          </a:effectRef>
+          <a:fontRef idx="minor">
+            <a:schemeClr val="tx1"/>
+          </a:fontRef>
+        </p:style>
+      </p:cxnSp>
+      <p:sp>
+        <p:nvSpPr>
+          <p:cNvPr id="211" name="Rounded Rectangle 210"/>
+          <p:cNvSpPr/>
+          <p:nvPr/>
+        </p:nvSpPr>
+        <p:spPr>
+          <a:xfrm>
+            <a:off x="9338244" y="8468348"/>
+            <a:ext cx="3961962" cy="554986"/>
+          </a:xfrm>
+          <a:prstGeom prst="roundRect">
+            <a:avLst/>
+          </a:prstGeom>
+          <a:noFill/>
+          <a:ln>
+            <a:solidFill>
+              <a:schemeClr val="tx1"/>
+            </a:solidFill>
+          </a:ln>
+          <a:effectLst>
+            <a:outerShdw blurRad="50800" dist="50800" dir="5400000" sy="23000" kx="-1200000" algn="ctr" rotWithShape="0">
+              <a:srgbClr val="000000">
+                <a:alpha val="0"/>
+              </a:srgbClr>
+            </a:outerShdw>
+          </a:effectLst>
+        </p:spPr>
+        <p:style>
+          <a:lnRef idx="2">
+            <a:schemeClr val="accent1">
+              <a:shade val="50000"/>
+            </a:schemeClr>
+          </a:lnRef>
+          <a:fillRef idx="1">
+            <a:schemeClr val="accent1"/>
+          </a:fillRef>
+          <a:effectRef idx="0">
+            <a:schemeClr val="accent1"/>
+          </a:effectRef>
+          <a:fontRef idx="minor">
+            <a:schemeClr val="lt1"/>
+          </a:fontRef>
+        </p:style>
+        <p:txBody>
+          <a:bodyPr rot="0" spcFirstLastPara="0" vertOverflow="overflow" horzOverflow="overflow" vert="horz" wrap="square" lIns="135005" tIns="67504" rIns="135005" bIns="67504" numCol="1" spcCol="0" rtlCol="0" fromWordArt="0" anchor="ctr" anchorCtr="0" forceAA="0" compatLnSpc="1">
+            <a:prstTxWarp prst="textNoShape">
+              <a:avLst/>
+            </a:prstTxWarp>
+            <a:noAutofit/>
+          </a:bodyPr>
+          <a:lstStyle/>
+          <a:p>
+            <a:pPr algn="ctr"/>
+            <a:r>
+              <a:rPr lang="sv-SE" sz="2660" b="1" dirty="0">
+                <a:solidFill>
+                  <a:schemeClr val="tx1"/>
+                </a:solidFill>
+                <a:latin typeface="Times New Roman" panose="02020603050405020304" pitchFamily="18" charset="0"/>
+                <a:cs typeface="Times New Roman" panose="02020603050405020304" pitchFamily="18" charset="0"/>
+              </a:rPr>
+              <a:t>Operating Points </a:t>
+            </a:r>
+          </a:p>
+        </p:txBody>
+      </p:sp>
+      <p:cxnSp>
+        <p:nvCxnSpPr>
+          <p:cNvPr id="212" name="Straight Arrow Connector 211"/>
+          <p:cNvCxnSpPr>
+            <a:stCxn id="208" idx="2"/>
+            <a:endCxn id="211" idx="0"/>
+          </p:cNvCxnSpPr>
+          <p:nvPr/>
+        </p:nvCxnSpPr>
+        <p:spPr>
+          <a:xfrm>
+            <a:off x="11319224" y="7784714"/>
+            <a:ext cx="0" cy="683634"/>
+          </a:xfrm>
+          <a:prstGeom prst="straightConnector1">
+            <a:avLst/>
+          </a:prstGeom>
+          <a:ln w="25400">
+            <a:solidFill>
+              <a:schemeClr val="tx1"/>
+            </a:solidFill>
+            <a:tailEnd type="triangle"/>
+          </a:ln>
+          <a:effectLst>
+            <a:outerShdw blurRad="50800" dist="50800" dir="5400000" algn="ctr" rotWithShape="0">
+              <a:srgbClr val="000000">
+                <a:alpha val="0"/>
+              </a:srgbClr>
+            </a:outerShdw>
+            <a:reflection endPos="2000" dist="50800" dir="5400000" sy="-100000" algn="bl" rotWithShape="0"/>
+          </a:effectLst>
+        </p:spPr>
+        <p:style>
+          <a:lnRef idx="1">
+            <a:schemeClr val="accent1"/>
+          </a:lnRef>
+          <a:fillRef idx="0">
+            <a:schemeClr val="accent1"/>
+          </a:fillRef>
+          <a:effectRef idx="0">
+            <a:schemeClr val="accent1"/>
+          </a:effectRef>
+          <a:fontRef idx="minor">
+            <a:schemeClr val="tx1"/>
+          </a:fontRef>
+        </p:style>
+      </p:cxnSp>
+      <p:pic>
+        <p:nvPicPr>
+          <p:cNvPr id="213" name="Picture 212"/>
+          <p:cNvPicPr>
+            <a:picLocks noChangeAspect="1"/>
+          </p:cNvPicPr>
+          <p:nvPr/>
+        </p:nvPicPr>
+        <p:blipFill rotWithShape="1">
+          <a:blip r:embed="rId2"/>
+          <a:srcRect l="3829" t="5639" r="80271" b="10136"/>
+          <a:stretch/>
+        </p:blipFill>
+        <p:spPr>
+          <a:xfrm>
+            <a:off x="15473743" y="2366247"/>
+            <a:ext cx="1844606" cy="2170313"/>
+          </a:xfrm>
+          <a:prstGeom prst="rect">
+            <a:avLst/>
+          </a:prstGeom>
+          <a:effectLst>
+            <a:outerShdw blurRad="50800" dist="50800" dir="5400000" algn="ctr" rotWithShape="0">
+              <a:srgbClr val="000000">
+                <a:alpha val="0"/>
+              </a:srgbClr>
+            </a:outerShdw>
+          </a:effectLst>
+        </p:spPr>
+      </p:pic>
+      <p:sp>
+        <p:nvSpPr>
+          <p:cNvPr id="214" name="Rounded Rectangle 213"/>
+          <p:cNvSpPr/>
+          <p:nvPr/>
+        </p:nvSpPr>
+        <p:spPr>
+          <a:xfrm>
+            <a:off x="15473739" y="2184178"/>
+            <a:ext cx="2073861" cy="2440394"/>
+          </a:xfrm>
+          <a:prstGeom prst="roundRect">
+            <a:avLst/>
+          </a:prstGeom>
+          <a:noFill/>
+          <a:ln>
+            <a:solidFill>
+              <a:schemeClr val="tx1"/>
+            </a:solidFill>
+          </a:ln>
+          <a:effectLst>
+            <a:outerShdw blurRad="50800" dist="50800" dir="5400000" algn="ctr" rotWithShape="0">
+              <a:srgbClr val="000000">
+                <a:alpha val="0"/>
+              </a:srgbClr>
+            </a:outerShdw>
+          </a:effectLst>
+        </p:spPr>
+        <p:style>
+          <a:lnRef idx="2">
+            <a:schemeClr val="accent1">
+              <a:shade val="50000"/>
+            </a:schemeClr>
+          </a:lnRef>
+          <a:fillRef idx="1">
+            <a:schemeClr val="accent1"/>
+          </a:fillRef>
+          <a:effectRef idx="0">
+            <a:schemeClr val="accent1"/>
+          </a:effectRef>
+          <a:fontRef idx="minor">
+            <a:schemeClr val="lt1"/>
+          </a:fontRef>
+        </p:style>
+        <p:txBody>
+          <a:bodyPr rot="0" spcFirstLastPara="0" vertOverflow="overflow" horzOverflow="overflow" vert="horz" wrap="square" lIns="135005" tIns="67504" rIns="135005" bIns="67504" numCol="1" spcCol="0" rtlCol="0" fromWordArt="0" anchor="ctr" anchorCtr="0" forceAA="0" compatLnSpc="1">
+            <a:prstTxWarp prst="textNoShape">
+              <a:avLst/>
+            </a:prstTxWarp>
+            <a:noAutofit/>
+          </a:bodyPr>
+          <a:lstStyle/>
+          <a:p>
+            <a:pPr algn="ctr"/>
+            <a:endParaRPr lang="sv-SE" sz="2660" b="1">
+              <a:latin typeface="Times New Roman" panose="02020603050405020304" pitchFamily="18" charset="0"/>
+              <a:cs typeface="Times New Roman" panose="02020603050405020304" pitchFamily="18" charset="0"/>
+            </a:endParaRPr>
+          </a:p>
+        </p:txBody>
+      </p:sp>
+      <p:sp>
+        <p:nvSpPr>
+          <p:cNvPr id="215" name="Rounded Rectangle 214"/>
+          <p:cNvSpPr/>
+          <p:nvPr/>
+        </p:nvSpPr>
+        <p:spPr>
+          <a:xfrm>
+            <a:off x="14995935" y="6708724"/>
+            <a:ext cx="2997109" cy="1709848"/>
+          </a:xfrm>
+          <a:prstGeom prst="roundRect">
+            <a:avLst/>
+          </a:prstGeom>
+          <a:noFill/>
+          <a:ln>
+            <a:solidFill>
+              <a:schemeClr val="tx1"/>
+            </a:solidFill>
+          </a:ln>
+          <a:effectLst>
+            <a:outerShdw blurRad="50800" dist="50800" dir="5400000" algn="ctr" rotWithShape="0">
+              <a:srgbClr val="000000">
+                <a:alpha val="0"/>
+              </a:srgbClr>
+            </a:outerShdw>
+          </a:effectLst>
+        </p:spPr>
+        <p:style>
+          <a:lnRef idx="2">
+            <a:schemeClr val="accent1">
+              <a:shade val="50000"/>
+            </a:schemeClr>
+          </a:lnRef>
+          <a:fillRef idx="1">
+            <a:schemeClr val="accent1"/>
+          </a:fillRef>
+          <a:effectRef idx="0">
+            <a:schemeClr val="accent1"/>
+          </a:effectRef>
+          <a:fontRef idx="minor">
+            <a:schemeClr val="lt1"/>
+          </a:fontRef>
+        </p:style>
+        <p:txBody>
+          <a:bodyPr rot="0" spcFirstLastPara="0" vertOverflow="overflow" horzOverflow="overflow" vert="horz" wrap="square" lIns="135005" tIns="67504" rIns="135005" bIns="67504" numCol="1" spcCol="0" rtlCol="0" fromWordArt="0" anchor="ctr" anchorCtr="0" forceAA="0" compatLnSpc="1">
+            <a:prstTxWarp prst="textNoShape">
+              <a:avLst/>
+            </a:prstTxWarp>
+            <a:noAutofit/>
+          </a:bodyPr>
+          <a:lstStyle/>
+          <a:p>
+            <a:pPr algn="ctr"/>
+            <a:endParaRPr lang="sv-SE" sz="2660" b="1" dirty="0">
+              <a:latin typeface="Times New Roman" panose="02020603050405020304" pitchFamily="18" charset="0"/>
+              <a:cs typeface="Times New Roman" panose="02020603050405020304" pitchFamily="18" charset="0"/>
+            </a:endParaRPr>
+          </a:p>
+        </p:txBody>
+      </p:sp>
+      <p:pic>
+        <p:nvPicPr>
+          <p:cNvPr id="216" name="Picture 215"/>
+          <p:cNvPicPr>
+            <a:picLocks noChangeAspect="1"/>
+          </p:cNvPicPr>
+          <p:nvPr/>
+        </p:nvPicPr>
+        <p:blipFill>
+          <a:blip r:embed="rId3" cstate="print">
+            <a:extLst>
+              <a:ext uri="{28A0092B-C50C-407E-A947-70E740481C1C}">
+                <a14:useLocalDpi xmlns:a14="http://schemas.microsoft.com/office/drawing/2010/main" val="0"/>
+              </a:ext>
+            </a:extLst>
+          </a:blip>
+          <a:stretch>
+            <a:fillRect/>
+          </a:stretch>
+        </p:blipFill>
+        <p:spPr>
+          <a:xfrm>
+            <a:off x="15326765" y="6768221"/>
+            <a:ext cx="2335444" cy="1590850"/>
+          </a:xfrm>
+          <a:prstGeom prst="rect">
+            <a:avLst/>
+          </a:prstGeom>
+          <a:effectLst>
+            <a:outerShdw blurRad="50800" dist="50800" dir="5400000" algn="ctr" rotWithShape="0">
+              <a:srgbClr val="000000">
+                <a:alpha val="0"/>
+              </a:srgbClr>
+            </a:outerShdw>
+          </a:effectLst>
+        </p:spPr>
+      </p:pic>
+      <p:cxnSp>
+        <p:nvCxnSpPr>
+          <p:cNvPr id="217" name="Straight Arrow Connector 216"/>
+          <p:cNvCxnSpPr>
+            <a:stCxn id="215" idx="1"/>
+            <a:endCxn id="208" idx="3"/>
+          </p:cNvCxnSpPr>
+          <p:nvPr/>
+        </p:nvCxnSpPr>
+        <p:spPr>
+          <a:xfrm flipH="1" flipV="1">
+            <a:off x="12976630" y="7558272"/>
+            <a:ext cx="2019302" cy="5374"/>
+          </a:xfrm>
+          <a:prstGeom prst="straightConnector1">
+            <a:avLst/>
+          </a:prstGeom>
+          <a:ln w="25400">
+            <a:solidFill>
+              <a:schemeClr val="tx1"/>
+            </a:solidFill>
+            <a:tailEnd type="triangle"/>
+          </a:ln>
+          <a:effectLst>
+            <a:outerShdw blurRad="50800" dist="50800" dir="5400000" algn="ctr" rotWithShape="0">
+              <a:srgbClr val="000000">
+                <a:alpha val="0"/>
+              </a:srgbClr>
+            </a:outerShdw>
+            <a:reflection endPos="2000" dist="50800" dir="5400000" sy="-100000" algn="bl" rotWithShape="0"/>
+          </a:effectLst>
+        </p:spPr>
+        <p:style>
+          <a:lnRef idx="1">
+            <a:schemeClr val="accent1"/>
+          </a:lnRef>
+          <a:fillRef idx="0">
+            <a:schemeClr val="accent1"/>
+          </a:fillRef>
+          <a:effectRef idx="0">
+            <a:schemeClr val="accent1"/>
+          </a:effectRef>
+          <a:fontRef idx="minor">
+            <a:schemeClr val="tx1"/>
+          </a:fontRef>
+        </p:style>
+      </p:cxnSp>
+      <p:pic>
+        <p:nvPicPr>
+          <p:cNvPr id="218" name="Picture 6" descr="Power - Infineon Technologies"/>
+          <p:cNvPicPr>
+            <a:picLocks noChangeAspect="1" noChangeArrowheads="1"/>
+          </p:cNvPicPr>
+          <p:nvPr/>
+        </p:nvPicPr>
+        <p:blipFill>
+          <a:blip r:embed="rId4" cstate="print">
+            <a:extLst>
+              <a:ext uri="{28A0092B-C50C-407E-A947-70E740481C1C}">
+                <a14:useLocalDpi xmlns:a14="http://schemas.microsoft.com/office/drawing/2010/main" val="0"/>
+              </a:ext>
+            </a:extLst>
+          </a:blip>
+          <a:srcRect/>
+          <a:stretch>
+            <a:fillRect/>
+          </a:stretch>
+        </p:blipFill>
+        <p:spPr bwMode="auto">
+          <a:xfrm>
+            <a:off x="15377859" y="4846533"/>
+            <a:ext cx="2169743" cy="1561503"/>
+          </a:xfrm>
+          <a:prstGeom prst="rect">
+            <a:avLst/>
+          </a:prstGeom>
+          <a:noFill/>
+          <a:effectLst>
+            <a:outerShdw blurRad="50800" dist="50800" dir="5400000" algn="ctr" rotWithShape="0">
+              <a:srgbClr val="000000">
+                <a:alpha val="0"/>
+              </a:srgbClr>
+            </a:outerShdw>
+          </a:effectLst>
+          <a:extLst>
+            <a:ext uri="{909E8E84-426E-40DD-AFC4-6F175D3DCCD1}">
+              <a14:hiddenFill xmlns:a14="http://schemas.microsoft.com/office/drawing/2010/main">
+                <a:solidFill>
+                  <a:srgbClr val="FFFFFF"/>
+                </a:solidFill>
+              </a14:hiddenFill>
+            </a:ext>
+          </a:extLst>
+        </p:spPr>
+      </p:pic>
+      <p:sp>
+        <p:nvSpPr>
+          <p:cNvPr id="219" name="Rounded Rectangle 218"/>
+          <p:cNvSpPr/>
+          <p:nvPr/>
+        </p:nvSpPr>
+        <p:spPr>
+          <a:xfrm>
+            <a:off x="15473741" y="4760998"/>
+            <a:ext cx="2073861" cy="1736887"/>
+          </a:xfrm>
+          <a:prstGeom prst="roundRect">
+            <a:avLst/>
+          </a:prstGeom>
+          <a:noFill/>
+          <a:ln>
+            <a:solidFill>
+              <a:schemeClr val="tx1"/>
+            </a:solidFill>
+          </a:ln>
+          <a:effectLst>
+            <a:outerShdw blurRad="50800" dist="50800" dir="5400000" algn="ctr" rotWithShape="0">
+              <a:srgbClr val="000000">
+                <a:alpha val="0"/>
+              </a:srgbClr>
+            </a:outerShdw>
+          </a:effectLst>
+        </p:spPr>
+        <p:style>
+          <a:lnRef idx="2">
+            <a:schemeClr val="accent1">
+              <a:shade val="50000"/>
+            </a:schemeClr>
+          </a:lnRef>
+          <a:fillRef idx="1">
+            <a:schemeClr val="accent1"/>
+          </a:fillRef>
+          <a:effectRef idx="0">
+            <a:schemeClr val="accent1"/>
+          </a:effectRef>
+          <a:fontRef idx="minor">
+            <a:schemeClr val="lt1"/>
+          </a:fontRef>
+        </p:style>
+        <p:txBody>
+          <a:bodyPr rot="0" spcFirstLastPara="0" vertOverflow="overflow" horzOverflow="overflow" vert="horz" wrap="square" lIns="135005" tIns="67504" rIns="135005" bIns="67504" numCol="1" spcCol="0" rtlCol="0" fromWordArt="0" anchor="ctr" anchorCtr="0" forceAA="0" compatLnSpc="1">
+            <a:prstTxWarp prst="textNoShape">
+              <a:avLst/>
+            </a:prstTxWarp>
+            <a:noAutofit/>
+          </a:bodyPr>
+          <a:lstStyle/>
+          <a:p>
+            <a:pPr algn="ctr"/>
+            <a:endParaRPr lang="sv-SE" sz="2660" b="1">
+              <a:latin typeface="Times New Roman" panose="02020603050405020304" pitchFamily="18" charset="0"/>
+              <a:cs typeface="Times New Roman" panose="02020603050405020304" pitchFamily="18" charset="0"/>
+            </a:endParaRPr>
+          </a:p>
+        </p:txBody>
+      </p:sp>
+      <p:cxnSp>
+        <p:nvCxnSpPr>
+          <p:cNvPr id="220" name="Straight Arrow Connector 219"/>
+          <p:cNvCxnSpPr>
+            <a:stCxn id="219" idx="1"/>
+            <a:endCxn id="209" idx="3"/>
+          </p:cNvCxnSpPr>
+          <p:nvPr/>
+        </p:nvCxnSpPr>
+        <p:spPr>
+          <a:xfrm flipH="1">
+            <a:off x="13300206" y="5629442"/>
+            <a:ext cx="2173535" cy="31585"/>
+          </a:xfrm>
+          <a:prstGeom prst="straightConnector1">
+            <a:avLst/>
+          </a:prstGeom>
+          <a:ln w="25400">
+            <a:solidFill>
+              <a:schemeClr val="tx1"/>
+            </a:solidFill>
+            <a:tailEnd type="triangle"/>
+          </a:ln>
+          <a:effectLst>
+            <a:outerShdw blurRad="50800" dist="50800" dir="5400000" algn="ctr" rotWithShape="0">
+              <a:srgbClr val="000000">
+                <a:alpha val="0"/>
+              </a:srgbClr>
+            </a:outerShdw>
+            <a:reflection endPos="2000" dist="50800" dir="5400000" sy="-100000" algn="bl" rotWithShape="0"/>
+          </a:effectLst>
+        </p:spPr>
+        <p:style>
+          <a:lnRef idx="1">
+            <a:schemeClr val="accent1"/>
+          </a:lnRef>
+          <a:fillRef idx="0">
+            <a:schemeClr val="accent1"/>
+          </a:fillRef>
+          <a:effectRef idx="0">
+            <a:schemeClr val="accent1"/>
+          </a:effectRef>
+          <a:fontRef idx="minor">
+            <a:schemeClr val="tx1"/>
+          </a:fontRef>
+        </p:style>
+      </p:cxnSp>
+      <p:sp>
+        <p:nvSpPr>
+          <p:cNvPr id="221" name="Rectangle 220"/>
+          <p:cNvSpPr/>
+          <p:nvPr/>
+        </p:nvSpPr>
+        <p:spPr>
+          <a:xfrm>
+            <a:off x="11288089" y="4259732"/>
+            <a:ext cx="1861408" cy="501676"/>
+          </a:xfrm>
+          <a:prstGeom prst="rect">
+            <a:avLst/>
+          </a:prstGeom>
+          <a:effectLst>
+            <a:outerShdw blurRad="50800" dist="50800" dir="5400000" algn="ctr" rotWithShape="0">
+              <a:srgbClr val="000000">
+                <a:alpha val="0"/>
+              </a:srgbClr>
+            </a:outerShdw>
+          </a:effectLst>
+        </p:spPr>
+        <p:txBody>
+          <a:bodyPr wrap="none">
+            <a:spAutoFit/>
+          </a:bodyPr>
+          <a:lstStyle/>
+          <a:p>
+            <a:pPr algn="ctr"/>
+            <a:r>
+              <a:rPr lang="sv-SE" sz="2660" b="1" dirty="0">
+                <a:latin typeface="Times New Roman" panose="02020603050405020304" pitchFamily="18" charset="0"/>
+                <a:cs typeface="Times New Roman" panose="02020603050405020304" pitchFamily="18" charset="0"/>
+              </a:rPr>
+              <a:t>V/I Ratings</a:t>
+            </a:r>
+          </a:p>
+        </p:txBody>
+      </p:sp>
+      <p:cxnSp>
+        <p:nvCxnSpPr>
+          <p:cNvPr id="222" name="Straight Arrow Connector 221"/>
+          <p:cNvCxnSpPr>
+            <a:stCxn id="211" idx="2"/>
+            <a:endCxn id="246" idx="0"/>
+          </p:cNvCxnSpPr>
+          <p:nvPr/>
+        </p:nvCxnSpPr>
+        <p:spPr>
+          <a:xfrm flipH="1">
+            <a:off x="7853959" y="9023330"/>
+            <a:ext cx="3465270" cy="874768"/>
+          </a:xfrm>
+          <a:prstGeom prst="straightConnector1">
+            <a:avLst/>
+          </a:prstGeom>
+          <a:ln w="25400">
+            <a:solidFill>
+              <a:schemeClr val="tx1"/>
+            </a:solidFill>
+            <a:tailEnd type="triangle"/>
+          </a:ln>
+          <a:effectLst>
+            <a:outerShdw blurRad="50800" dist="50800" dir="5400000" algn="ctr" rotWithShape="0">
+              <a:srgbClr val="000000">
+                <a:alpha val="0"/>
+              </a:srgbClr>
+            </a:outerShdw>
+            <a:reflection endPos="2000" dist="50800" dir="5400000" sy="-100000" algn="bl" rotWithShape="0"/>
+          </a:effectLst>
+        </p:spPr>
+        <p:style>
+          <a:lnRef idx="1">
+            <a:schemeClr val="accent1"/>
+          </a:lnRef>
+          <a:fillRef idx="0">
+            <a:schemeClr val="accent1"/>
+          </a:fillRef>
+          <a:effectRef idx="0">
+            <a:schemeClr val="accent1"/>
+          </a:effectRef>
+          <a:fontRef idx="minor">
+            <a:schemeClr val="tx1"/>
+          </a:fontRef>
+        </p:style>
+      </p:cxnSp>
+      <p:sp>
+        <p:nvSpPr>
+          <p:cNvPr id="223" name="Rounded Rectangle 222"/>
+          <p:cNvSpPr/>
+          <p:nvPr/>
+        </p:nvSpPr>
+        <p:spPr>
+          <a:xfrm>
+            <a:off x="12702389" y="9928032"/>
+            <a:ext cx="4006311" cy="867167"/>
+          </a:xfrm>
+          <a:prstGeom prst="roundRect">
+            <a:avLst/>
+          </a:prstGeom>
+          <a:noFill/>
+          <a:ln>
+            <a:solidFill>
+              <a:schemeClr val="tx1"/>
+            </a:solidFill>
+          </a:ln>
+          <a:effectLst>
+            <a:outerShdw blurRad="50800" dist="50800" dir="5400000" sy="23000" kx="-1200000" algn="ctr" rotWithShape="0">
+              <a:srgbClr val="000000">
+                <a:alpha val="0"/>
+              </a:srgbClr>
+            </a:outerShdw>
+          </a:effectLst>
+        </p:spPr>
+        <p:style>
+          <a:lnRef idx="2">
+            <a:schemeClr val="accent1">
+              <a:shade val="50000"/>
+            </a:schemeClr>
+          </a:lnRef>
+          <a:fillRef idx="1">
+            <a:schemeClr val="accent1"/>
+          </a:fillRef>
+          <a:effectRef idx="0">
+            <a:schemeClr val="accent1"/>
+          </a:effectRef>
+          <a:fontRef idx="minor">
+            <a:schemeClr val="lt1"/>
+          </a:fontRef>
+        </p:style>
+        <p:txBody>
+          <a:bodyPr rot="0" spcFirstLastPara="0" vertOverflow="overflow" horzOverflow="overflow" vert="horz" wrap="square" lIns="135005" tIns="67504" rIns="135005" bIns="67504" numCol="1" spcCol="0" rtlCol="0" fromWordArt="0" anchor="ctr" anchorCtr="0" forceAA="0" compatLnSpc="1">
+            <a:prstTxWarp prst="textNoShape">
+              <a:avLst/>
+            </a:prstTxWarp>
+            <a:noAutofit/>
+          </a:bodyPr>
+          <a:lstStyle/>
+          <a:p>
+            <a:pPr algn="ctr"/>
+            <a:r>
+              <a:rPr lang="sv-SE" sz="2660" b="1" dirty="0" err="1">
+                <a:solidFill>
+                  <a:schemeClr val="tx1"/>
+                </a:solidFill>
+                <a:latin typeface="Times New Roman" panose="02020603050405020304" pitchFamily="18" charset="0"/>
+                <a:cs typeface="Times New Roman" panose="02020603050405020304" pitchFamily="18" charset="0"/>
+              </a:rPr>
+              <a:t>Semiconductor</a:t>
+            </a:r>
+            <a:r>
+              <a:rPr lang="sv-SE" sz="2660" b="1" dirty="0">
+                <a:solidFill>
+                  <a:schemeClr val="tx1"/>
+                </a:solidFill>
+                <a:latin typeface="Times New Roman" panose="02020603050405020304" pitchFamily="18" charset="0"/>
+                <a:cs typeface="Times New Roman" panose="02020603050405020304" pitchFamily="18" charset="0"/>
+              </a:rPr>
+              <a:t> Loss </a:t>
+            </a:r>
+            <a:r>
+              <a:rPr lang="sv-SE" sz="2660" b="1" dirty="0" err="1">
+                <a:solidFill>
+                  <a:schemeClr val="tx1"/>
+                </a:solidFill>
+                <a:latin typeface="Times New Roman" panose="02020603050405020304" pitchFamily="18" charset="0"/>
+                <a:cs typeface="Times New Roman" panose="02020603050405020304" pitchFamily="18" charset="0"/>
+              </a:rPr>
+              <a:t>Calculation</a:t>
+            </a:r>
+            <a:endParaRPr lang="sv-SE" sz="2660" b="1" dirty="0">
+              <a:solidFill>
+                <a:schemeClr val="tx1"/>
+              </a:solidFill>
+              <a:latin typeface="Times New Roman" panose="02020603050405020304" pitchFamily="18" charset="0"/>
+              <a:cs typeface="Times New Roman" panose="02020603050405020304" pitchFamily="18" charset="0"/>
+            </a:endParaRPr>
+          </a:p>
+        </p:txBody>
+      </p:sp>
+      <p:sp>
+        <p:nvSpPr>
+          <p:cNvPr id="224" name="Rounded Rectangle 223"/>
+          <p:cNvSpPr/>
+          <p:nvPr/>
+        </p:nvSpPr>
+        <p:spPr>
+          <a:xfrm>
+            <a:off x="12702389" y="12233591"/>
+            <a:ext cx="4006311" cy="867167"/>
+          </a:xfrm>
+          <a:prstGeom prst="roundRect">
+            <a:avLst/>
+          </a:prstGeom>
+          <a:noFill/>
+          <a:ln>
+            <a:solidFill>
+              <a:schemeClr val="tx1"/>
+            </a:solidFill>
+          </a:ln>
+          <a:effectLst>
+            <a:outerShdw blurRad="50800" dist="50800" dir="5400000" sy="23000" kx="-1200000" algn="ctr" rotWithShape="0">
+              <a:srgbClr val="000000">
+                <a:alpha val="0"/>
+              </a:srgbClr>
+            </a:outerShdw>
+          </a:effectLst>
+        </p:spPr>
+        <p:style>
+          <a:lnRef idx="2">
+            <a:schemeClr val="accent1">
+              <a:shade val="50000"/>
+            </a:schemeClr>
+          </a:lnRef>
+          <a:fillRef idx="1">
+            <a:schemeClr val="accent1"/>
+          </a:fillRef>
+          <a:effectRef idx="0">
+            <a:schemeClr val="accent1"/>
+          </a:effectRef>
+          <a:fontRef idx="minor">
+            <a:schemeClr val="lt1"/>
+          </a:fontRef>
+        </p:style>
+        <p:txBody>
+          <a:bodyPr rot="0" spcFirstLastPara="0" vertOverflow="overflow" horzOverflow="overflow" vert="horz" wrap="square" lIns="135005" tIns="67504" rIns="135005" bIns="67504" numCol="1" spcCol="0" rtlCol="0" fromWordArt="0" anchor="ctr" anchorCtr="0" forceAA="0" compatLnSpc="1">
+            <a:prstTxWarp prst="textNoShape">
+              <a:avLst/>
+            </a:prstTxWarp>
+            <a:noAutofit/>
+          </a:bodyPr>
+          <a:lstStyle/>
+          <a:p>
+            <a:pPr algn="ctr"/>
+            <a:r>
+              <a:rPr lang="sv-SE" sz="2660" b="1" dirty="0" err="1">
+                <a:solidFill>
+                  <a:schemeClr val="tx1"/>
+                </a:solidFill>
+                <a:latin typeface="Times New Roman" panose="02020603050405020304" pitchFamily="18" charset="0"/>
+                <a:cs typeface="Times New Roman" panose="02020603050405020304" pitchFamily="18" charset="0"/>
+              </a:rPr>
+              <a:t>Thermal</a:t>
+            </a:r>
+            <a:r>
+              <a:rPr lang="sv-SE" sz="2660" b="1" dirty="0">
+                <a:solidFill>
+                  <a:schemeClr val="tx1"/>
+                </a:solidFill>
+                <a:latin typeface="Times New Roman" panose="02020603050405020304" pitchFamily="18" charset="0"/>
+                <a:cs typeface="Times New Roman" panose="02020603050405020304" pitchFamily="18" charset="0"/>
+              </a:rPr>
+              <a:t> </a:t>
+            </a:r>
+            <a:r>
+              <a:rPr lang="sv-SE" sz="2660" b="1" dirty="0" err="1">
+                <a:solidFill>
+                  <a:schemeClr val="tx1"/>
+                </a:solidFill>
+                <a:latin typeface="Times New Roman" panose="02020603050405020304" pitchFamily="18" charset="0"/>
+                <a:cs typeface="Times New Roman" panose="02020603050405020304" pitchFamily="18" charset="0"/>
+              </a:rPr>
+              <a:t>Model</a:t>
+            </a:r>
+            <a:endParaRPr lang="sv-SE" sz="2660" b="1" dirty="0">
+              <a:solidFill>
+                <a:schemeClr val="tx1"/>
+              </a:solidFill>
+              <a:latin typeface="Times New Roman" panose="02020603050405020304" pitchFamily="18" charset="0"/>
+              <a:cs typeface="Times New Roman" panose="02020603050405020304" pitchFamily="18" charset="0"/>
+            </a:endParaRPr>
+          </a:p>
+        </p:txBody>
+      </p:sp>
+      <p:cxnSp>
+        <p:nvCxnSpPr>
+          <p:cNvPr id="225" name="Straight Arrow Connector 224"/>
+          <p:cNvCxnSpPr>
+            <a:stCxn id="223" idx="2"/>
+            <a:endCxn id="224" idx="0"/>
+          </p:cNvCxnSpPr>
+          <p:nvPr/>
+        </p:nvCxnSpPr>
+        <p:spPr>
+          <a:xfrm>
+            <a:off x="14705541" y="10795198"/>
+            <a:ext cx="0" cy="1438390"/>
+          </a:xfrm>
+          <a:prstGeom prst="straightConnector1">
+            <a:avLst/>
+          </a:prstGeom>
+          <a:ln w="25400">
+            <a:solidFill>
+              <a:schemeClr val="tx1"/>
+            </a:solidFill>
+            <a:tailEnd type="triangle"/>
+          </a:ln>
+          <a:effectLst>
+            <a:outerShdw blurRad="50800" dist="50800" dir="5400000" algn="ctr" rotWithShape="0">
+              <a:srgbClr val="000000">
+                <a:alpha val="0"/>
+              </a:srgbClr>
+            </a:outerShdw>
+            <a:reflection endPos="2000" dist="50800" dir="5400000" sy="-100000" algn="bl" rotWithShape="0"/>
+          </a:effectLst>
+        </p:spPr>
+        <p:style>
+          <a:lnRef idx="1">
+            <a:schemeClr val="accent1"/>
+          </a:lnRef>
+          <a:fillRef idx="0">
+            <a:schemeClr val="accent1"/>
+          </a:fillRef>
+          <a:effectRef idx="0">
+            <a:schemeClr val="accent1"/>
+          </a:effectRef>
+          <a:fontRef idx="minor">
+            <a:schemeClr val="tx1"/>
+          </a:fontRef>
+        </p:style>
+      </p:cxnSp>
+      <p:cxnSp>
+        <p:nvCxnSpPr>
+          <p:cNvPr id="226" name="Straight Arrow Connector 225"/>
+          <p:cNvCxnSpPr>
+            <a:endCxn id="223" idx="1"/>
+          </p:cNvCxnSpPr>
+          <p:nvPr/>
+        </p:nvCxnSpPr>
+        <p:spPr>
+          <a:xfrm>
+            <a:off x="11814255" y="10361614"/>
+            <a:ext cx="888133" cy="0"/>
+          </a:xfrm>
+          <a:prstGeom prst="straightConnector1">
+            <a:avLst/>
+          </a:prstGeom>
+          <a:ln w="25400">
+            <a:solidFill>
+              <a:schemeClr val="tx1"/>
+            </a:solidFill>
+            <a:tailEnd type="triangle"/>
+          </a:ln>
+          <a:effectLst>
+            <a:outerShdw blurRad="50800" dist="50800" dir="5400000" algn="ctr" rotWithShape="0">
+              <a:srgbClr val="000000">
+                <a:alpha val="0"/>
+              </a:srgbClr>
+            </a:outerShdw>
+            <a:reflection endPos="2000" dist="50800" dir="5400000" sy="-100000" algn="bl" rotWithShape="0"/>
+          </a:effectLst>
+        </p:spPr>
+        <p:style>
+          <a:lnRef idx="1">
+            <a:schemeClr val="accent1"/>
+          </a:lnRef>
+          <a:fillRef idx="0">
+            <a:schemeClr val="accent1"/>
+          </a:fillRef>
+          <a:effectRef idx="0">
+            <a:schemeClr val="accent1"/>
+          </a:effectRef>
+          <a:fontRef idx="minor">
+            <a:schemeClr val="tx1"/>
+          </a:fontRef>
+        </p:style>
+      </p:cxnSp>
+      <p:sp>
+        <p:nvSpPr>
+          <p:cNvPr id="227" name="Rectangle 226"/>
+          <p:cNvSpPr/>
+          <p:nvPr/>
+        </p:nvSpPr>
+        <p:spPr>
+          <a:xfrm>
+            <a:off x="10877676" y="9173697"/>
+            <a:ext cx="1085554" cy="501676"/>
+          </a:xfrm>
+          <a:prstGeom prst="rect">
+            <a:avLst/>
+          </a:prstGeom>
+          <a:effectLst>
+            <a:outerShdw blurRad="50800" dist="50800" dir="5400000" algn="ctr" rotWithShape="0">
+              <a:srgbClr val="000000">
+                <a:alpha val="0"/>
+              </a:srgbClr>
+            </a:outerShdw>
+          </a:effectLst>
+        </p:spPr>
+        <p:txBody>
+          <a:bodyPr wrap="none">
+            <a:spAutoFit/>
+          </a:bodyPr>
+          <a:lstStyle/>
+          <a:p>
+            <a:r>
+              <a:rPr lang="sv-SE" sz="2660" b="1" dirty="0">
+                <a:latin typeface="Times New Roman" panose="02020603050405020304" pitchFamily="18" charset="0"/>
+                <a:cs typeface="Times New Roman" panose="02020603050405020304" pitchFamily="18" charset="0"/>
+              </a:rPr>
+              <a:t>V/I (t)</a:t>
+            </a:r>
+          </a:p>
+        </p:txBody>
+      </p:sp>
+      <p:sp>
+        <p:nvSpPr>
+          <p:cNvPr id="228" name="Rectangle 227"/>
+          <p:cNvSpPr/>
+          <p:nvPr/>
+        </p:nvSpPr>
+        <p:spPr>
+          <a:xfrm>
+            <a:off x="14774627" y="10765269"/>
+            <a:ext cx="526106" cy="501676"/>
+          </a:xfrm>
+          <a:prstGeom prst="rect">
+            <a:avLst/>
+          </a:prstGeom>
+          <a:effectLst>
+            <a:outerShdw blurRad="50800" dist="50800" dir="5400000" algn="ctr" rotWithShape="0">
+              <a:srgbClr val="000000">
+                <a:alpha val="0"/>
+              </a:srgbClr>
+            </a:outerShdw>
+          </a:effectLst>
+        </p:spPr>
+        <p:txBody>
+          <a:bodyPr wrap="none">
+            <a:spAutoFit/>
+          </a:bodyPr>
+          <a:lstStyle/>
+          <a:p>
+            <a:r>
+              <a:rPr lang="sv-SE" sz="2660" b="1" dirty="0">
+                <a:latin typeface="Times New Roman" panose="02020603050405020304" pitchFamily="18" charset="0"/>
+                <a:cs typeface="Times New Roman" panose="02020603050405020304" pitchFamily="18" charset="0"/>
+              </a:rPr>
+              <a:t>W</a:t>
+            </a:r>
+          </a:p>
+        </p:txBody>
+      </p:sp>
+      <p:cxnSp>
+        <p:nvCxnSpPr>
+          <p:cNvPr id="229" name="Straight Arrow Connector 228"/>
+          <p:cNvCxnSpPr/>
+          <p:nvPr/>
+        </p:nvCxnSpPr>
+        <p:spPr>
+          <a:xfrm flipH="1">
+            <a:off x="11732306" y="10361617"/>
+            <a:ext cx="81952" cy="4263131"/>
+          </a:xfrm>
+          <a:prstGeom prst="straightConnector1">
+            <a:avLst/>
+          </a:prstGeom>
+          <a:ln w="25400">
+            <a:solidFill>
+              <a:schemeClr val="tx1"/>
+            </a:solidFill>
+            <a:tailEnd type="none"/>
+          </a:ln>
+          <a:effectLst>
+            <a:outerShdw blurRad="50800" dist="50800" dir="5400000" algn="ctr" rotWithShape="0">
+              <a:srgbClr val="000000">
+                <a:alpha val="0"/>
+              </a:srgbClr>
+            </a:outerShdw>
+            <a:reflection endPos="2000" dist="50800" dir="5400000" sy="-100000" algn="bl" rotWithShape="0"/>
+          </a:effectLst>
+        </p:spPr>
+        <p:style>
+          <a:lnRef idx="1">
+            <a:schemeClr val="accent1"/>
+          </a:lnRef>
+          <a:fillRef idx="0">
+            <a:schemeClr val="accent1"/>
+          </a:fillRef>
+          <a:effectRef idx="0">
+            <a:schemeClr val="accent1"/>
+          </a:effectRef>
+          <a:fontRef idx="minor">
+            <a:schemeClr val="tx1"/>
+          </a:fontRef>
+        </p:style>
+      </p:cxnSp>
+      <p:cxnSp>
+        <p:nvCxnSpPr>
+          <p:cNvPr id="230" name="Straight Arrow Connector 229"/>
+          <p:cNvCxnSpPr>
+            <a:stCxn id="224" idx="2"/>
+            <a:endCxn id="234" idx="0"/>
+          </p:cNvCxnSpPr>
+          <p:nvPr/>
+        </p:nvCxnSpPr>
+        <p:spPr>
+          <a:xfrm>
+            <a:off x="14705545" y="13100760"/>
+            <a:ext cx="91" cy="924927"/>
+          </a:xfrm>
+          <a:prstGeom prst="straightConnector1">
+            <a:avLst/>
+          </a:prstGeom>
+          <a:ln w="25400">
+            <a:solidFill>
+              <a:schemeClr val="tx1"/>
+            </a:solidFill>
+            <a:tailEnd type="triangle"/>
+          </a:ln>
+          <a:effectLst>
+            <a:outerShdw blurRad="50800" dist="50800" dir="5400000" algn="ctr" rotWithShape="0">
+              <a:srgbClr val="000000">
+                <a:alpha val="0"/>
+              </a:srgbClr>
+            </a:outerShdw>
+            <a:reflection endPos="2000" dist="50800" dir="5400000" sy="-100000" algn="bl" rotWithShape="0"/>
+          </a:effectLst>
+        </p:spPr>
+        <p:style>
+          <a:lnRef idx="1">
+            <a:schemeClr val="accent1"/>
+          </a:lnRef>
+          <a:fillRef idx="0">
+            <a:schemeClr val="accent1"/>
+          </a:fillRef>
+          <a:effectRef idx="0">
+            <a:schemeClr val="accent1"/>
+          </a:effectRef>
+          <a:fontRef idx="minor">
+            <a:schemeClr val="tx1"/>
+          </a:fontRef>
+        </p:style>
+      </p:cxnSp>
+      <p:pic>
+        <p:nvPicPr>
+          <p:cNvPr id="231" name="Picture 230"/>
+          <p:cNvPicPr>
+            <a:picLocks noChangeAspect="1"/>
+          </p:cNvPicPr>
+          <p:nvPr/>
+        </p:nvPicPr>
+        <p:blipFill rotWithShape="1">
+          <a:blip r:embed="rId5"/>
+          <a:srcRect t="4044"/>
+          <a:stretch/>
+        </p:blipFill>
+        <p:spPr>
+          <a:xfrm>
+            <a:off x="17899507" y="9566426"/>
+            <a:ext cx="4244114" cy="1622372"/>
+          </a:xfrm>
+          <a:prstGeom prst="rect">
+            <a:avLst/>
+          </a:prstGeom>
+          <a:effectLst>
+            <a:outerShdw blurRad="50800" dist="50800" dir="5400000" algn="ctr" rotWithShape="0">
+              <a:srgbClr val="000000">
+                <a:alpha val="0"/>
+              </a:srgbClr>
+            </a:outerShdw>
+          </a:effectLst>
+        </p:spPr>
+      </p:pic>
+      <p:sp>
+        <p:nvSpPr>
+          <p:cNvPr id="232" name="Rounded Rectangle 231"/>
+          <p:cNvSpPr/>
+          <p:nvPr/>
+        </p:nvSpPr>
+        <p:spPr>
+          <a:xfrm>
+            <a:off x="17445444" y="9412533"/>
+            <a:ext cx="4846989" cy="1903666"/>
+          </a:xfrm>
+          <a:prstGeom prst="roundRect">
+            <a:avLst/>
+          </a:prstGeom>
+          <a:noFill/>
+          <a:ln>
+            <a:solidFill>
+              <a:schemeClr val="tx1"/>
+            </a:solidFill>
+          </a:ln>
+          <a:effectLst>
+            <a:outerShdw blurRad="50800" dist="50800" dir="5400000" algn="ctr" rotWithShape="0">
+              <a:srgbClr val="000000">
+                <a:alpha val="0"/>
+              </a:srgbClr>
+            </a:outerShdw>
+          </a:effectLst>
+        </p:spPr>
+        <p:style>
+          <a:lnRef idx="2">
+            <a:schemeClr val="accent1">
+              <a:shade val="50000"/>
+            </a:schemeClr>
+          </a:lnRef>
+          <a:fillRef idx="1">
+            <a:schemeClr val="accent1"/>
+          </a:fillRef>
+          <a:effectRef idx="0">
+            <a:schemeClr val="accent1"/>
+          </a:effectRef>
+          <a:fontRef idx="minor">
+            <a:schemeClr val="lt1"/>
+          </a:fontRef>
+        </p:style>
+        <p:txBody>
+          <a:bodyPr rot="0" spcFirstLastPara="0" vertOverflow="overflow" horzOverflow="overflow" vert="horz" wrap="square" lIns="135005" tIns="67504" rIns="135005" bIns="67504" numCol="1" spcCol="0" rtlCol="0" fromWordArt="0" anchor="ctr" anchorCtr="0" forceAA="0" compatLnSpc="1">
+            <a:prstTxWarp prst="textNoShape">
+              <a:avLst/>
+            </a:prstTxWarp>
+            <a:noAutofit/>
+          </a:bodyPr>
+          <a:lstStyle/>
+          <a:p>
+            <a:pPr algn="ctr"/>
+            <a:endParaRPr lang="sv-SE" sz="2660" b="1" dirty="0">
+              <a:latin typeface="Times New Roman" panose="02020603050405020304" pitchFamily="18" charset="0"/>
+              <a:cs typeface="Times New Roman" panose="02020603050405020304" pitchFamily="18" charset="0"/>
+            </a:endParaRPr>
+          </a:p>
+        </p:txBody>
+      </p:sp>
+      <p:cxnSp>
+        <p:nvCxnSpPr>
+          <p:cNvPr id="233" name="Straight Arrow Connector 232"/>
+          <p:cNvCxnSpPr>
+            <a:stCxn id="232" idx="1"/>
+            <a:endCxn id="223" idx="3"/>
+          </p:cNvCxnSpPr>
+          <p:nvPr/>
+        </p:nvCxnSpPr>
+        <p:spPr>
+          <a:xfrm flipH="1" flipV="1">
+            <a:off x="16708699" y="10361617"/>
+            <a:ext cx="736741" cy="2748"/>
+          </a:xfrm>
+          <a:prstGeom prst="straightConnector1">
+            <a:avLst/>
+          </a:prstGeom>
+          <a:ln w="25400">
+            <a:solidFill>
+              <a:schemeClr val="tx1"/>
+            </a:solidFill>
+            <a:tailEnd type="triangle"/>
+          </a:ln>
+          <a:effectLst>
+            <a:outerShdw blurRad="50800" dist="50800" dir="5400000" algn="ctr" rotWithShape="0">
+              <a:srgbClr val="000000">
+                <a:alpha val="0"/>
+              </a:srgbClr>
+            </a:outerShdw>
+            <a:reflection endPos="2000" dist="50800" dir="5400000" sy="-100000" algn="bl" rotWithShape="0"/>
+          </a:effectLst>
+        </p:spPr>
+        <p:style>
+          <a:lnRef idx="1">
+            <a:schemeClr val="accent1"/>
+          </a:lnRef>
+          <a:fillRef idx="0">
+            <a:schemeClr val="accent1"/>
+          </a:fillRef>
+          <a:effectRef idx="0">
+            <a:schemeClr val="accent1"/>
+          </a:effectRef>
+          <a:fontRef idx="minor">
+            <a:schemeClr val="tx1"/>
+          </a:fontRef>
+        </p:style>
+      </p:cxnSp>
+      <p:sp>
+        <p:nvSpPr>
+          <p:cNvPr id="234" name="Diamond 233"/>
+          <p:cNvSpPr/>
+          <p:nvPr/>
+        </p:nvSpPr>
+        <p:spPr>
+          <a:xfrm>
+            <a:off x="12883383" y="14025687"/>
+            <a:ext cx="3644505" cy="1242521"/>
+          </a:xfrm>
+          <a:prstGeom prst="diamond">
+            <a:avLst/>
+          </a:prstGeom>
+          <a:noFill/>
+          <a:ln>
+            <a:solidFill>
+              <a:schemeClr val="tx1"/>
+            </a:solidFill>
+          </a:ln>
+          <a:effectLst>
+            <a:outerShdw blurRad="50800" dist="50800" dir="5400000" algn="ctr" rotWithShape="0">
+              <a:srgbClr val="000000">
+                <a:alpha val="0"/>
+              </a:srgbClr>
+            </a:outerShdw>
+          </a:effectLst>
+        </p:spPr>
+        <p:style>
+          <a:lnRef idx="2">
+            <a:schemeClr val="accent1">
+              <a:shade val="50000"/>
+            </a:schemeClr>
+          </a:lnRef>
+          <a:fillRef idx="1">
+            <a:schemeClr val="accent1"/>
+          </a:fillRef>
+          <a:effectRef idx="0">
+            <a:schemeClr val="accent1"/>
+          </a:effectRef>
+          <a:fontRef idx="minor">
+            <a:schemeClr val="lt1"/>
+          </a:fontRef>
+        </p:style>
+        <p:txBody>
+          <a:bodyPr rot="0" spcFirstLastPara="0" vertOverflow="overflow" horzOverflow="overflow" vert="horz" wrap="square" lIns="135005" tIns="67504" rIns="135005" bIns="67504" numCol="1" spcCol="0" rtlCol="0" fromWordArt="0" anchor="ctr" anchorCtr="0" forceAA="0" compatLnSpc="1">
+            <a:prstTxWarp prst="textNoShape">
+              <a:avLst/>
+            </a:prstTxWarp>
+            <a:noAutofit/>
+          </a:bodyPr>
+          <a:lstStyle/>
+          <a:p>
+            <a:pPr algn="ctr"/>
+            <a:endParaRPr lang="sv-SE" sz="2660" b="1">
+              <a:latin typeface="Times New Roman" panose="02020603050405020304" pitchFamily="18" charset="0"/>
+              <a:cs typeface="Times New Roman" panose="02020603050405020304" pitchFamily="18" charset="0"/>
+            </a:endParaRPr>
+          </a:p>
+        </p:txBody>
+      </p:sp>
+      <p:sp>
+        <p:nvSpPr>
+          <p:cNvPr id="235" name="Rectangle 234"/>
+          <p:cNvSpPr/>
+          <p:nvPr/>
+        </p:nvSpPr>
+        <p:spPr>
+          <a:xfrm>
+            <a:off x="14964379" y="13356388"/>
+            <a:ext cx="648767" cy="501676"/>
+          </a:xfrm>
+          <a:prstGeom prst="rect">
+            <a:avLst/>
+          </a:prstGeom>
+          <a:effectLst>
+            <a:outerShdw blurRad="50800" dist="50800" dir="5400000" algn="ctr" rotWithShape="0">
+              <a:srgbClr val="000000">
+                <a:alpha val="0"/>
+              </a:srgbClr>
+            </a:outerShdw>
+          </a:effectLst>
+        </p:spPr>
+        <p:txBody>
+          <a:bodyPr wrap="square">
+            <a:spAutoFit/>
+          </a:bodyPr>
+          <a:lstStyle/>
+          <a:p>
+            <a:r>
+              <a:rPr lang="sv-SE" sz="2660" b="1" dirty="0" err="1">
+                <a:latin typeface="Times New Roman" panose="02020603050405020304" pitchFamily="18" charset="0"/>
+                <a:cs typeface="Times New Roman" panose="02020603050405020304" pitchFamily="18" charset="0"/>
+              </a:rPr>
+              <a:t>Tj</a:t>
+            </a:r>
+            <a:r>
+              <a:rPr lang="sv-SE" sz="2660" b="1" dirty="0">
+                <a:latin typeface="Times New Roman" panose="02020603050405020304" pitchFamily="18" charset="0"/>
+                <a:cs typeface="Times New Roman" panose="02020603050405020304" pitchFamily="18" charset="0"/>
+              </a:rPr>
+              <a:t> </a:t>
+            </a:r>
+          </a:p>
+        </p:txBody>
+      </p:sp>
+      <p:sp>
+        <p:nvSpPr>
+          <p:cNvPr id="236" name="Rectangle 235"/>
+          <p:cNvSpPr/>
+          <p:nvPr/>
+        </p:nvSpPr>
+        <p:spPr>
+          <a:xfrm>
+            <a:off x="13367737" y="14306214"/>
+            <a:ext cx="2813782" cy="501676"/>
+          </a:xfrm>
+          <a:prstGeom prst="rect">
+            <a:avLst/>
+          </a:prstGeom>
+          <a:effectLst>
+            <a:outerShdw blurRad="50800" dist="50800" dir="5400000" algn="ctr" rotWithShape="0">
+              <a:srgbClr val="000000">
+                <a:alpha val="0"/>
+              </a:srgbClr>
+            </a:outerShdw>
+          </a:effectLst>
+        </p:spPr>
+        <p:txBody>
+          <a:bodyPr wrap="square">
+            <a:spAutoFit/>
+          </a:bodyPr>
+          <a:lstStyle/>
+          <a:p>
+            <a:r>
+              <a:rPr lang="sv-SE" sz="2660" b="1" dirty="0">
+                <a:latin typeface="Times New Roman" panose="02020603050405020304" pitchFamily="18" charset="0"/>
+                <a:cs typeface="Times New Roman" panose="02020603050405020304" pitchFamily="18" charset="0"/>
+              </a:rPr>
+              <a:t>|</a:t>
+            </a:r>
+            <a:r>
+              <a:rPr lang="sv-SE" sz="2660" b="1" dirty="0" err="1">
+                <a:latin typeface="Times New Roman" panose="02020603050405020304" pitchFamily="18" charset="0"/>
+                <a:cs typeface="Times New Roman" panose="02020603050405020304" pitchFamily="18" charset="0"/>
+              </a:rPr>
+              <a:t>Tj</a:t>
+            </a:r>
+            <a:r>
+              <a:rPr lang="sv-SE" sz="2660" b="1" dirty="0">
+                <a:latin typeface="Times New Roman" panose="02020603050405020304" pitchFamily="18" charset="0"/>
+                <a:cs typeface="Times New Roman" panose="02020603050405020304" pitchFamily="18" charset="0"/>
+              </a:rPr>
+              <a:t> (k)-</a:t>
+            </a:r>
+            <a:r>
+              <a:rPr lang="sv-SE" sz="2660" b="1" dirty="0" err="1">
+                <a:latin typeface="Times New Roman" panose="02020603050405020304" pitchFamily="18" charset="0"/>
+                <a:cs typeface="Times New Roman" panose="02020603050405020304" pitchFamily="18" charset="0"/>
+              </a:rPr>
+              <a:t>Tj</a:t>
+            </a:r>
+            <a:r>
+              <a:rPr lang="sv-SE" sz="2660" b="1" dirty="0">
+                <a:latin typeface="Times New Roman" panose="02020603050405020304" pitchFamily="18" charset="0"/>
+                <a:cs typeface="Times New Roman" panose="02020603050405020304" pitchFamily="18" charset="0"/>
+              </a:rPr>
+              <a:t>(k-1)|&lt; </a:t>
+            </a:r>
+            <a:r>
+              <a:rPr lang="el-GR" sz="2660" b="1" dirty="0">
+                <a:latin typeface="Times New Roman" panose="02020603050405020304" pitchFamily="18" charset="0"/>
+                <a:cs typeface="Times New Roman" panose="02020603050405020304" pitchFamily="18" charset="0"/>
+              </a:rPr>
+              <a:t>ϵ</a:t>
+            </a:r>
+            <a:r>
+              <a:rPr lang="sv-SE" sz="2660" b="1" dirty="0">
+                <a:latin typeface="Times New Roman" panose="02020603050405020304" pitchFamily="18" charset="0"/>
+                <a:cs typeface="Times New Roman" panose="02020603050405020304" pitchFamily="18" charset="0"/>
+              </a:rPr>
+              <a:t> </a:t>
+            </a:r>
+          </a:p>
+        </p:txBody>
+      </p:sp>
+      <p:cxnSp>
+        <p:nvCxnSpPr>
+          <p:cNvPr id="237" name="Straight Arrow Connector 236"/>
+          <p:cNvCxnSpPr>
+            <a:stCxn id="234" idx="1"/>
+          </p:cNvCxnSpPr>
+          <p:nvPr/>
+        </p:nvCxnSpPr>
+        <p:spPr>
+          <a:xfrm flipH="1" flipV="1">
+            <a:off x="11732304" y="14643073"/>
+            <a:ext cx="1151083" cy="3875"/>
+          </a:xfrm>
+          <a:prstGeom prst="straightConnector1">
+            <a:avLst/>
+          </a:prstGeom>
+          <a:ln w="25400">
+            <a:solidFill>
+              <a:schemeClr val="tx1"/>
+            </a:solidFill>
+            <a:tailEnd type="none"/>
+          </a:ln>
+          <a:effectLst>
+            <a:outerShdw blurRad="50800" dist="50800" dir="5400000" algn="ctr" rotWithShape="0">
+              <a:srgbClr val="000000">
+                <a:alpha val="0"/>
+              </a:srgbClr>
+            </a:outerShdw>
+            <a:reflection endPos="2000" dist="50800" dir="5400000" sy="-100000" algn="bl" rotWithShape="0"/>
+          </a:effectLst>
+        </p:spPr>
+        <p:style>
+          <a:lnRef idx="1">
+            <a:schemeClr val="accent1"/>
+          </a:lnRef>
+          <a:fillRef idx="0">
+            <a:schemeClr val="accent1"/>
+          </a:fillRef>
+          <a:effectRef idx="0">
+            <a:schemeClr val="accent1"/>
+          </a:effectRef>
+          <a:fontRef idx="minor">
+            <a:schemeClr val="tx1"/>
+          </a:fontRef>
+        </p:style>
+      </p:cxnSp>
+      <p:sp>
+        <p:nvSpPr>
+          <p:cNvPr id="238" name="Rectangle 237"/>
+          <p:cNvSpPr/>
+          <p:nvPr/>
+        </p:nvSpPr>
+        <p:spPr>
+          <a:xfrm>
+            <a:off x="12178942" y="14061730"/>
+            <a:ext cx="1046897" cy="501676"/>
+          </a:xfrm>
+          <a:prstGeom prst="rect">
+            <a:avLst/>
+          </a:prstGeom>
+          <a:effectLst>
+            <a:outerShdw blurRad="50800" dist="50800" dir="5400000" algn="ctr" rotWithShape="0">
+              <a:srgbClr val="000000">
+                <a:alpha val="0"/>
+              </a:srgbClr>
+            </a:outerShdw>
+          </a:effectLst>
+        </p:spPr>
+        <p:txBody>
+          <a:bodyPr wrap="square">
+            <a:spAutoFit/>
+          </a:bodyPr>
+          <a:lstStyle/>
+          <a:p>
+            <a:r>
+              <a:rPr lang="sv-SE" sz="2660" b="1" dirty="0">
+                <a:latin typeface="Times New Roman" panose="02020603050405020304" pitchFamily="18" charset="0"/>
+                <a:cs typeface="Times New Roman" panose="02020603050405020304" pitchFamily="18" charset="0"/>
+              </a:rPr>
+              <a:t>No</a:t>
+            </a:r>
+          </a:p>
+        </p:txBody>
+      </p:sp>
+      <p:cxnSp>
+        <p:nvCxnSpPr>
+          <p:cNvPr id="239" name="Straight Arrow Connector 238"/>
+          <p:cNvCxnSpPr>
+            <a:stCxn id="234" idx="2"/>
+          </p:cNvCxnSpPr>
+          <p:nvPr/>
+        </p:nvCxnSpPr>
+        <p:spPr>
+          <a:xfrm>
+            <a:off x="14705636" y="15268208"/>
+            <a:ext cx="39283" cy="1343392"/>
+          </a:xfrm>
+          <a:prstGeom prst="straightConnector1">
+            <a:avLst/>
+          </a:prstGeom>
+          <a:ln w="25400">
+            <a:solidFill>
+              <a:schemeClr val="tx1"/>
+            </a:solidFill>
+            <a:tailEnd type="triangle"/>
+          </a:ln>
+          <a:effectLst>
+            <a:outerShdw blurRad="50800" dist="50800" dir="5400000" algn="ctr" rotWithShape="0">
+              <a:srgbClr val="000000">
+                <a:alpha val="0"/>
+              </a:srgbClr>
+            </a:outerShdw>
+            <a:reflection endPos="2000" dist="50800" dir="5400000" sy="-100000" algn="bl" rotWithShape="0"/>
+          </a:effectLst>
+        </p:spPr>
+        <p:style>
+          <a:lnRef idx="1">
+            <a:schemeClr val="accent1"/>
+          </a:lnRef>
+          <a:fillRef idx="0">
+            <a:schemeClr val="accent1"/>
+          </a:fillRef>
+          <a:effectRef idx="0">
+            <a:schemeClr val="accent1"/>
+          </a:effectRef>
+          <a:fontRef idx="minor">
+            <a:schemeClr val="tx1"/>
+          </a:fontRef>
+        </p:style>
+      </p:cxnSp>
+      <p:sp>
+        <p:nvSpPr>
+          <p:cNvPr id="240" name="Rectangle 239"/>
+          <p:cNvSpPr/>
+          <p:nvPr/>
+        </p:nvSpPr>
+        <p:spPr>
+          <a:xfrm>
+            <a:off x="14744919" y="15268206"/>
+            <a:ext cx="1046897" cy="501676"/>
+          </a:xfrm>
+          <a:prstGeom prst="rect">
+            <a:avLst/>
+          </a:prstGeom>
+          <a:effectLst>
+            <a:outerShdw blurRad="50800" dist="50800" dir="5400000" algn="ctr" rotWithShape="0">
+              <a:srgbClr val="000000">
+                <a:alpha val="0"/>
+              </a:srgbClr>
+            </a:outerShdw>
+          </a:effectLst>
+        </p:spPr>
+        <p:txBody>
+          <a:bodyPr wrap="square">
+            <a:spAutoFit/>
+          </a:bodyPr>
+          <a:lstStyle/>
+          <a:p>
+            <a:r>
+              <a:rPr lang="sv-SE" sz="2660" b="1" dirty="0" err="1">
+                <a:latin typeface="Times New Roman" panose="02020603050405020304" pitchFamily="18" charset="0"/>
+                <a:cs typeface="Times New Roman" panose="02020603050405020304" pitchFamily="18" charset="0"/>
+              </a:rPr>
+              <a:t>Yes</a:t>
+            </a:r>
+            <a:endParaRPr lang="sv-SE" sz="2660" b="1" dirty="0">
+              <a:latin typeface="Times New Roman" panose="02020603050405020304" pitchFamily="18" charset="0"/>
+              <a:cs typeface="Times New Roman" panose="02020603050405020304" pitchFamily="18" charset="0"/>
+            </a:endParaRPr>
+          </a:p>
+        </p:txBody>
+      </p:sp>
+      <p:sp>
+        <p:nvSpPr>
+          <p:cNvPr id="242" name="Rectangle 241"/>
+          <p:cNvSpPr/>
+          <p:nvPr/>
+        </p:nvSpPr>
+        <p:spPr>
+          <a:xfrm>
+            <a:off x="11973280" y="9832313"/>
+            <a:ext cx="570089" cy="501676"/>
+          </a:xfrm>
+          <a:prstGeom prst="rect">
+            <a:avLst/>
+          </a:prstGeom>
+          <a:effectLst>
+            <a:outerShdw blurRad="50800" dist="50800" dir="5400000" algn="ctr" rotWithShape="0">
+              <a:srgbClr val="000000">
+                <a:alpha val="0"/>
+              </a:srgbClr>
+            </a:outerShdw>
+          </a:effectLst>
+        </p:spPr>
+        <p:txBody>
+          <a:bodyPr wrap="square">
+            <a:spAutoFit/>
+          </a:bodyPr>
+          <a:lstStyle/>
+          <a:p>
+            <a:r>
+              <a:rPr lang="sv-SE" sz="2660" b="1" dirty="0" err="1">
+                <a:latin typeface="Times New Roman" panose="02020603050405020304" pitchFamily="18" charset="0"/>
+                <a:cs typeface="Times New Roman" panose="02020603050405020304" pitchFamily="18" charset="0"/>
+              </a:rPr>
+              <a:t>Tj</a:t>
+            </a:r>
+            <a:r>
+              <a:rPr lang="sv-SE" sz="2660" b="1" dirty="0">
+                <a:latin typeface="Times New Roman" panose="02020603050405020304" pitchFamily="18" charset="0"/>
+                <a:cs typeface="Times New Roman" panose="02020603050405020304" pitchFamily="18" charset="0"/>
+              </a:rPr>
+              <a:t> </a:t>
+            </a:r>
+          </a:p>
+        </p:txBody>
+      </p:sp>
+      <p:pic>
+        <p:nvPicPr>
+          <p:cNvPr id="243" name="Picture 242"/>
+          <p:cNvPicPr>
+            <a:picLocks noChangeAspect="1"/>
+          </p:cNvPicPr>
+          <p:nvPr/>
+        </p:nvPicPr>
+        <p:blipFill rotWithShape="1">
+          <a:blip r:embed="rId6"/>
+          <a:srcRect b="17226"/>
+          <a:stretch/>
+        </p:blipFill>
+        <p:spPr>
+          <a:xfrm>
+            <a:off x="18153310" y="11938591"/>
+            <a:ext cx="3203877" cy="1477225"/>
+          </a:xfrm>
+          <a:prstGeom prst="rect">
+            <a:avLst/>
+          </a:prstGeom>
+          <a:effectLst>
+            <a:outerShdw blurRad="50800" dist="50800" dir="5400000" algn="ctr" rotWithShape="0">
+              <a:srgbClr val="000000">
+                <a:alpha val="0"/>
+              </a:srgbClr>
+            </a:outerShdw>
+          </a:effectLst>
+        </p:spPr>
+      </p:pic>
+      <p:sp>
+        <p:nvSpPr>
+          <p:cNvPr id="244" name="Rounded Rectangle 243"/>
+          <p:cNvSpPr/>
+          <p:nvPr/>
+        </p:nvSpPr>
+        <p:spPr>
+          <a:xfrm>
+            <a:off x="17857513" y="11725373"/>
+            <a:ext cx="3928153" cy="1903666"/>
+          </a:xfrm>
+          <a:prstGeom prst="roundRect">
+            <a:avLst/>
+          </a:prstGeom>
+          <a:noFill/>
+          <a:ln>
+            <a:solidFill>
+              <a:schemeClr val="tx1"/>
+            </a:solidFill>
+          </a:ln>
+          <a:effectLst>
+            <a:outerShdw blurRad="50800" dist="50800" dir="5400000" algn="ctr" rotWithShape="0">
+              <a:srgbClr val="000000">
+                <a:alpha val="0"/>
+              </a:srgbClr>
+            </a:outerShdw>
+          </a:effectLst>
+        </p:spPr>
+        <p:style>
+          <a:lnRef idx="2">
+            <a:schemeClr val="accent1">
+              <a:shade val="50000"/>
+            </a:schemeClr>
+          </a:lnRef>
+          <a:fillRef idx="1">
+            <a:schemeClr val="accent1"/>
+          </a:fillRef>
+          <a:effectRef idx="0">
+            <a:schemeClr val="accent1"/>
+          </a:effectRef>
+          <a:fontRef idx="minor">
+            <a:schemeClr val="lt1"/>
+          </a:fontRef>
+        </p:style>
+        <p:txBody>
+          <a:bodyPr rot="0" spcFirstLastPara="0" vertOverflow="overflow" horzOverflow="overflow" vert="horz" wrap="square" lIns="135005" tIns="67504" rIns="135005" bIns="67504" numCol="1" spcCol="0" rtlCol="0" fromWordArt="0" anchor="ctr" anchorCtr="0" forceAA="0" compatLnSpc="1">
+            <a:prstTxWarp prst="textNoShape">
+              <a:avLst/>
+            </a:prstTxWarp>
+            <a:noAutofit/>
+          </a:bodyPr>
+          <a:lstStyle/>
+          <a:p>
+            <a:pPr algn="ctr"/>
+            <a:endParaRPr lang="sv-SE" sz="2660" b="1" dirty="0">
+              <a:latin typeface="Times New Roman" panose="02020603050405020304" pitchFamily="18" charset="0"/>
+              <a:cs typeface="Times New Roman" panose="02020603050405020304" pitchFamily="18" charset="0"/>
+            </a:endParaRPr>
+          </a:p>
+        </p:txBody>
+      </p:sp>
+      <p:cxnSp>
+        <p:nvCxnSpPr>
+          <p:cNvPr id="245" name="Straight Arrow Connector 244"/>
+          <p:cNvCxnSpPr>
+            <a:stCxn id="244" idx="1"/>
+            <a:endCxn id="224" idx="3"/>
+          </p:cNvCxnSpPr>
+          <p:nvPr/>
+        </p:nvCxnSpPr>
+        <p:spPr>
+          <a:xfrm flipH="1" flipV="1">
+            <a:off x="16708697" y="12667173"/>
+            <a:ext cx="1148812" cy="10029"/>
+          </a:xfrm>
+          <a:prstGeom prst="straightConnector1">
+            <a:avLst/>
+          </a:prstGeom>
+          <a:ln w="25400">
+            <a:solidFill>
+              <a:schemeClr val="tx1"/>
+            </a:solidFill>
+            <a:tailEnd type="triangle"/>
+          </a:ln>
+          <a:effectLst>
+            <a:outerShdw blurRad="50800" dist="50800" dir="5400000" algn="ctr" rotWithShape="0">
+              <a:srgbClr val="000000">
+                <a:alpha val="0"/>
+              </a:srgbClr>
+            </a:outerShdw>
+            <a:reflection endPos="2000" dist="50800" dir="5400000" sy="-100000" algn="bl" rotWithShape="0"/>
+          </a:effectLst>
+        </p:spPr>
+        <p:style>
+          <a:lnRef idx="1">
+            <a:schemeClr val="accent1"/>
+          </a:lnRef>
+          <a:fillRef idx="0">
+            <a:schemeClr val="accent1"/>
+          </a:fillRef>
+          <a:effectRef idx="0">
+            <a:schemeClr val="accent1"/>
+          </a:effectRef>
+          <a:fontRef idx="minor">
+            <a:schemeClr val="tx1"/>
+          </a:fontRef>
+        </p:style>
+      </p:cxnSp>
+      <p:sp>
+        <p:nvSpPr>
+          <p:cNvPr id="246" name="Rounded Rectangle 245"/>
+          <p:cNvSpPr/>
+          <p:nvPr/>
+        </p:nvSpPr>
+        <p:spPr>
+          <a:xfrm>
+            <a:off x="5850802" y="9898103"/>
+            <a:ext cx="4006311" cy="867167"/>
+          </a:xfrm>
+          <a:prstGeom prst="roundRect">
+            <a:avLst/>
+          </a:prstGeom>
+          <a:noFill/>
+          <a:ln>
+            <a:solidFill>
+              <a:schemeClr val="tx1"/>
+            </a:solidFill>
+          </a:ln>
+          <a:effectLst>
+            <a:outerShdw blurRad="50800" dist="50800" dir="5400000" sy="23000" kx="-1200000" algn="ctr" rotWithShape="0">
+              <a:srgbClr val="000000">
+                <a:alpha val="0"/>
+              </a:srgbClr>
+            </a:outerShdw>
+          </a:effectLst>
+        </p:spPr>
+        <p:style>
+          <a:lnRef idx="2">
+            <a:schemeClr val="accent1">
+              <a:shade val="50000"/>
+            </a:schemeClr>
+          </a:lnRef>
+          <a:fillRef idx="1">
+            <a:schemeClr val="accent1"/>
+          </a:fillRef>
+          <a:effectRef idx="0">
+            <a:schemeClr val="accent1"/>
+          </a:effectRef>
+          <a:fontRef idx="minor">
+            <a:schemeClr val="lt1"/>
+          </a:fontRef>
+        </p:style>
+        <p:txBody>
+          <a:bodyPr rot="0" spcFirstLastPara="0" vertOverflow="overflow" horzOverflow="overflow" vert="horz" wrap="square" lIns="135005" tIns="67504" rIns="135005" bIns="67504" numCol="1" spcCol="0" rtlCol="0" fromWordArt="0" anchor="ctr" anchorCtr="0" forceAA="0" compatLnSpc="1">
+            <a:prstTxWarp prst="textNoShape">
+              <a:avLst/>
+            </a:prstTxWarp>
+            <a:noAutofit/>
+          </a:bodyPr>
+          <a:lstStyle/>
+          <a:p>
+            <a:pPr algn="ctr"/>
+            <a:r>
+              <a:rPr lang="sv-SE" sz="2660" b="1" dirty="0" err="1">
+                <a:solidFill>
+                  <a:schemeClr val="tx1"/>
+                </a:solidFill>
+                <a:latin typeface="Times New Roman" panose="02020603050405020304" pitchFamily="18" charset="0"/>
+                <a:cs typeface="Times New Roman" panose="02020603050405020304" pitchFamily="18" charset="0"/>
+              </a:rPr>
+              <a:t>Capacitor</a:t>
+            </a:r>
+            <a:r>
+              <a:rPr lang="sv-SE" sz="2660" b="1" dirty="0">
+                <a:solidFill>
+                  <a:schemeClr val="tx1"/>
+                </a:solidFill>
+                <a:latin typeface="Times New Roman" panose="02020603050405020304" pitchFamily="18" charset="0"/>
+                <a:cs typeface="Times New Roman" panose="02020603050405020304" pitchFamily="18" charset="0"/>
+              </a:rPr>
+              <a:t> Loss </a:t>
+            </a:r>
+            <a:r>
+              <a:rPr lang="sv-SE" sz="2660" b="1" dirty="0" err="1">
+                <a:solidFill>
+                  <a:schemeClr val="tx1"/>
+                </a:solidFill>
+                <a:latin typeface="Times New Roman" panose="02020603050405020304" pitchFamily="18" charset="0"/>
+                <a:cs typeface="Times New Roman" panose="02020603050405020304" pitchFamily="18" charset="0"/>
+              </a:rPr>
+              <a:t>Calulation</a:t>
+            </a:r>
+            <a:endParaRPr lang="sv-SE" sz="2660" b="1" dirty="0">
+              <a:solidFill>
+                <a:schemeClr val="tx1"/>
+              </a:solidFill>
+              <a:latin typeface="Times New Roman" panose="02020603050405020304" pitchFamily="18" charset="0"/>
+              <a:cs typeface="Times New Roman" panose="02020603050405020304" pitchFamily="18" charset="0"/>
+            </a:endParaRPr>
+          </a:p>
+        </p:txBody>
+      </p:sp>
+      <p:sp>
+        <p:nvSpPr>
+          <p:cNvPr id="247" name="Rounded Rectangle 246"/>
+          <p:cNvSpPr/>
+          <p:nvPr/>
+        </p:nvSpPr>
+        <p:spPr>
+          <a:xfrm>
+            <a:off x="5961683" y="12203661"/>
+            <a:ext cx="4006311" cy="867167"/>
+          </a:xfrm>
+          <a:prstGeom prst="roundRect">
+            <a:avLst/>
+          </a:prstGeom>
+          <a:noFill/>
+          <a:ln>
+            <a:solidFill>
+              <a:schemeClr val="tx1"/>
+            </a:solidFill>
+          </a:ln>
+          <a:effectLst>
+            <a:outerShdw blurRad="50800" dist="50800" dir="5400000" sy="23000" kx="-1200000" algn="ctr" rotWithShape="0">
+              <a:srgbClr val="000000">
+                <a:alpha val="0"/>
+              </a:srgbClr>
+            </a:outerShdw>
+          </a:effectLst>
+        </p:spPr>
+        <p:style>
+          <a:lnRef idx="2">
+            <a:schemeClr val="accent1">
+              <a:shade val="50000"/>
+            </a:schemeClr>
+          </a:lnRef>
+          <a:fillRef idx="1">
+            <a:schemeClr val="accent1"/>
+          </a:fillRef>
+          <a:effectRef idx="0">
+            <a:schemeClr val="accent1"/>
+          </a:effectRef>
+          <a:fontRef idx="minor">
+            <a:schemeClr val="lt1"/>
+          </a:fontRef>
+        </p:style>
+        <p:txBody>
+          <a:bodyPr rot="0" spcFirstLastPara="0" vertOverflow="overflow" horzOverflow="overflow" vert="horz" wrap="square" lIns="135005" tIns="67504" rIns="135005" bIns="67504" numCol="1" spcCol="0" rtlCol="0" fromWordArt="0" anchor="ctr" anchorCtr="0" forceAA="0" compatLnSpc="1">
+            <a:prstTxWarp prst="textNoShape">
+              <a:avLst/>
+            </a:prstTxWarp>
+            <a:noAutofit/>
+          </a:bodyPr>
+          <a:lstStyle/>
+          <a:p>
+            <a:pPr algn="ctr"/>
+            <a:r>
+              <a:rPr lang="sv-SE" sz="2660" b="1" dirty="0" err="1">
+                <a:solidFill>
+                  <a:schemeClr val="tx1"/>
+                </a:solidFill>
+                <a:latin typeface="Times New Roman" panose="02020603050405020304" pitchFamily="18" charset="0"/>
+                <a:cs typeface="Times New Roman" panose="02020603050405020304" pitchFamily="18" charset="0"/>
+              </a:rPr>
+              <a:t>Thermal</a:t>
+            </a:r>
+            <a:r>
+              <a:rPr lang="sv-SE" sz="2660" b="1" dirty="0">
+                <a:solidFill>
+                  <a:schemeClr val="tx1"/>
+                </a:solidFill>
+                <a:latin typeface="Times New Roman" panose="02020603050405020304" pitchFamily="18" charset="0"/>
+                <a:cs typeface="Times New Roman" panose="02020603050405020304" pitchFamily="18" charset="0"/>
+              </a:rPr>
+              <a:t> </a:t>
+            </a:r>
+            <a:r>
+              <a:rPr lang="sv-SE" sz="2660" b="1" dirty="0" err="1">
+                <a:solidFill>
+                  <a:schemeClr val="tx1"/>
+                </a:solidFill>
+                <a:latin typeface="Times New Roman" panose="02020603050405020304" pitchFamily="18" charset="0"/>
+                <a:cs typeface="Times New Roman" panose="02020603050405020304" pitchFamily="18" charset="0"/>
+              </a:rPr>
+              <a:t>Model</a:t>
+            </a:r>
+            <a:endParaRPr lang="sv-SE" sz="2660" b="1" dirty="0">
+              <a:solidFill>
+                <a:schemeClr val="tx1"/>
+              </a:solidFill>
+              <a:latin typeface="Times New Roman" panose="02020603050405020304" pitchFamily="18" charset="0"/>
+              <a:cs typeface="Times New Roman" panose="02020603050405020304" pitchFamily="18" charset="0"/>
+            </a:endParaRPr>
+          </a:p>
+        </p:txBody>
+      </p:sp>
+      <p:cxnSp>
+        <p:nvCxnSpPr>
+          <p:cNvPr id="248" name="Straight Arrow Connector 247"/>
+          <p:cNvCxnSpPr>
+            <a:endCxn id="247" idx="0"/>
+          </p:cNvCxnSpPr>
+          <p:nvPr/>
+        </p:nvCxnSpPr>
+        <p:spPr>
+          <a:xfrm>
+            <a:off x="7964834" y="10765270"/>
+            <a:ext cx="0" cy="1438390"/>
+          </a:xfrm>
+          <a:prstGeom prst="straightConnector1">
+            <a:avLst/>
+          </a:prstGeom>
+          <a:ln w="25400">
+            <a:solidFill>
+              <a:schemeClr val="tx1"/>
+            </a:solidFill>
+            <a:tailEnd type="triangle"/>
+          </a:ln>
+          <a:effectLst>
+            <a:outerShdw blurRad="50800" dist="50800" dir="5400000" algn="ctr" rotWithShape="0">
+              <a:srgbClr val="000000">
+                <a:alpha val="0"/>
+              </a:srgbClr>
+            </a:outerShdw>
+            <a:reflection endPos="2000" dist="50800" dir="5400000" sy="-100000" algn="bl" rotWithShape="0"/>
+          </a:effectLst>
+        </p:spPr>
+        <p:style>
+          <a:lnRef idx="1">
+            <a:schemeClr val="accent1"/>
+          </a:lnRef>
+          <a:fillRef idx="0">
+            <a:schemeClr val="accent1"/>
+          </a:fillRef>
+          <a:effectRef idx="0">
+            <a:schemeClr val="accent1"/>
+          </a:effectRef>
+          <a:fontRef idx="minor">
+            <a:schemeClr val="tx1"/>
+          </a:fontRef>
+        </p:style>
+      </p:cxnSp>
+      <p:cxnSp>
+        <p:nvCxnSpPr>
+          <p:cNvPr id="249" name="Straight Arrow Connector 248"/>
+          <p:cNvCxnSpPr>
+            <a:endCxn id="246" idx="3"/>
+          </p:cNvCxnSpPr>
+          <p:nvPr/>
+        </p:nvCxnSpPr>
+        <p:spPr>
+          <a:xfrm flipH="1" flipV="1">
+            <a:off x="9857113" y="10331687"/>
+            <a:ext cx="1020563" cy="14946"/>
+          </a:xfrm>
+          <a:prstGeom prst="straightConnector1">
+            <a:avLst/>
+          </a:prstGeom>
+          <a:ln w="25400">
+            <a:solidFill>
+              <a:schemeClr val="tx1"/>
+            </a:solidFill>
+            <a:tailEnd type="triangle"/>
+          </a:ln>
+          <a:effectLst>
+            <a:outerShdw blurRad="50800" dist="50800" dir="5400000" algn="ctr" rotWithShape="0">
+              <a:srgbClr val="000000">
+                <a:alpha val="0"/>
+              </a:srgbClr>
+            </a:outerShdw>
+            <a:reflection endPos="2000" dist="50800" dir="5400000" sy="-100000" algn="bl" rotWithShape="0"/>
+          </a:effectLst>
+        </p:spPr>
+        <p:style>
+          <a:lnRef idx="1">
+            <a:schemeClr val="accent1"/>
+          </a:lnRef>
+          <a:fillRef idx="0">
+            <a:schemeClr val="accent1"/>
+          </a:fillRef>
+          <a:effectRef idx="0">
+            <a:schemeClr val="accent1"/>
+          </a:effectRef>
+          <a:fontRef idx="minor">
+            <a:schemeClr val="tx1"/>
+          </a:fontRef>
+        </p:style>
+      </p:cxnSp>
+      <p:sp>
+        <p:nvSpPr>
+          <p:cNvPr id="250" name="Rectangle 249"/>
+          <p:cNvSpPr/>
+          <p:nvPr/>
+        </p:nvSpPr>
+        <p:spPr>
+          <a:xfrm>
+            <a:off x="8033921" y="10735337"/>
+            <a:ext cx="526106" cy="501676"/>
+          </a:xfrm>
+          <a:prstGeom prst="rect">
+            <a:avLst/>
+          </a:prstGeom>
+          <a:effectLst>
+            <a:outerShdw blurRad="50800" dist="50800" dir="5400000" algn="ctr" rotWithShape="0">
+              <a:srgbClr val="000000">
+                <a:alpha val="0"/>
+              </a:srgbClr>
+            </a:outerShdw>
+          </a:effectLst>
+        </p:spPr>
+        <p:txBody>
+          <a:bodyPr wrap="none">
+            <a:spAutoFit/>
+          </a:bodyPr>
+          <a:lstStyle/>
+          <a:p>
+            <a:r>
+              <a:rPr lang="sv-SE" sz="2660" b="1" dirty="0">
+                <a:latin typeface="Times New Roman" panose="02020603050405020304" pitchFamily="18" charset="0"/>
+                <a:cs typeface="Times New Roman" panose="02020603050405020304" pitchFamily="18" charset="0"/>
+              </a:rPr>
+              <a:t>W</a:t>
+            </a:r>
+          </a:p>
+        </p:txBody>
+      </p:sp>
+      <p:cxnSp>
+        <p:nvCxnSpPr>
+          <p:cNvPr id="251" name="Straight Arrow Connector 250"/>
+          <p:cNvCxnSpPr/>
+          <p:nvPr/>
+        </p:nvCxnSpPr>
+        <p:spPr>
+          <a:xfrm flipH="1">
+            <a:off x="10804302" y="10346633"/>
+            <a:ext cx="49442" cy="4296439"/>
+          </a:xfrm>
+          <a:prstGeom prst="straightConnector1">
+            <a:avLst/>
+          </a:prstGeom>
+          <a:ln w="25400">
+            <a:solidFill>
+              <a:schemeClr val="tx1"/>
+            </a:solidFill>
+            <a:tailEnd type="none"/>
+          </a:ln>
+          <a:effectLst>
+            <a:outerShdw blurRad="50800" dist="50800" dir="5400000" algn="ctr" rotWithShape="0">
+              <a:srgbClr val="000000">
+                <a:alpha val="0"/>
+              </a:srgbClr>
+            </a:outerShdw>
+            <a:reflection endPos="2000" dist="50800" dir="5400000" sy="-100000" algn="bl" rotWithShape="0"/>
+          </a:effectLst>
+        </p:spPr>
+        <p:style>
+          <a:lnRef idx="1">
+            <a:schemeClr val="accent1"/>
+          </a:lnRef>
+          <a:fillRef idx="0">
+            <a:schemeClr val="accent1"/>
+          </a:fillRef>
+          <a:effectRef idx="0">
+            <a:schemeClr val="accent1"/>
+          </a:effectRef>
+          <a:fontRef idx="minor">
+            <a:schemeClr val="tx1"/>
+          </a:fontRef>
+        </p:style>
+      </p:cxnSp>
+      <p:cxnSp>
+        <p:nvCxnSpPr>
+          <p:cNvPr id="252" name="Straight Arrow Connector 251"/>
+          <p:cNvCxnSpPr>
+            <a:stCxn id="247" idx="2"/>
+            <a:endCxn id="253" idx="0"/>
+          </p:cNvCxnSpPr>
+          <p:nvPr/>
+        </p:nvCxnSpPr>
+        <p:spPr>
+          <a:xfrm>
+            <a:off x="7964838" y="13070830"/>
+            <a:ext cx="91" cy="924927"/>
+          </a:xfrm>
+          <a:prstGeom prst="straightConnector1">
+            <a:avLst/>
+          </a:prstGeom>
+          <a:ln w="25400">
+            <a:solidFill>
+              <a:schemeClr val="tx1"/>
+            </a:solidFill>
+            <a:tailEnd type="triangle"/>
+          </a:ln>
+          <a:effectLst>
+            <a:outerShdw blurRad="50800" dist="50800" dir="5400000" algn="ctr" rotWithShape="0">
+              <a:srgbClr val="000000">
+                <a:alpha val="0"/>
+              </a:srgbClr>
+            </a:outerShdw>
+            <a:reflection endPos="2000" dist="50800" dir="5400000" sy="-100000" algn="bl" rotWithShape="0"/>
+          </a:effectLst>
+        </p:spPr>
+        <p:style>
+          <a:lnRef idx="1">
+            <a:schemeClr val="accent1"/>
+          </a:lnRef>
+          <a:fillRef idx="0">
+            <a:schemeClr val="accent1"/>
+          </a:fillRef>
+          <a:effectRef idx="0">
+            <a:schemeClr val="accent1"/>
+          </a:effectRef>
+          <a:fontRef idx="minor">
+            <a:schemeClr val="tx1"/>
+          </a:fontRef>
+        </p:style>
+      </p:cxnSp>
+      <p:sp>
+        <p:nvSpPr>
+          <p:cNvPr id="253" name="Diamond 252"/>
+          <p:cNvSpPr/>
+          <p:nvPr/>
+        </p:nvSpPr>
+        <p:spPr>
+          <a:xfrm>
+            <a:off x="6142676" y="13995755"/>
+            <a:ext cx="3644505" cy="1242521"/>
+          </a:xfrm>
+          <a:prstGeom prst="diamond">
+            <a:avLst/>
+          </a:prstGeom>
+          <a:noFill/>
+          <a:ln>
+            <a:solidFill>
+              <a:schemeClr val="tx1"/>
+            </a:solidFill>
+          </a:ln>
+          <a:effectLst>
+            <a:outerShdw blurRad="50800" dist="50800" dir="5400000" algn="ctr" rotWithShape="0">
+              <a:srgbClr val="000000">
+                <a:alpha val="0"/>
+              </a:srgbClr>
+            </a:outerShdw>
+          </a:effectLst>
+        </p:spPr>
+        <p:style>
+          <a:lnRef idx="2">
+            <a:schemeClr val="accent1">
+              <a:shade val="50000"/>
+            </a:schemeClr>
+          </a:lnRef>
+          <a:fillRef idx="1">
+            <a:schemeClr val="accent1"/>
+          </a:fillRef>
+          <a:effectRef idx="0">
+            <a:schemeClr val="accent1"/>
+          </a:effectRef>
+          <a:fontRef idx="minor">
+            <a:schemeClr val="lt1"/>
+          </a:fontRef>
+        </p:style>
+        <p:txBody>
+          <a:bodyPr rot="0" spcFirstLastPara="0" vertOverflow="overflow" horzOverflow="overflow" vert="horz" wrap="square" lIns="135005" tIns="67504" rIns="135005" bIns="67504" numCol="1" spcCol="0" rtlCol="0" fromWordArt="0" anchor="ctr" anchorCtr="0" forceAA="0" compatLnSpc="1">
+            <a:prstTxWarp prst="textNoShape">
+              <a:avLst/>
+            </a:prstTxWarp>
+            <a:noAutofit/>
+          </a:bodyPr>
+          <a:lstStyle/>
+          <a:p>
+            <a:pPr algn="ctr"/>
+            <a:endParaRPr lang="sv-SE" sz="2660" b="1">
+              <a:latin typeface="Times New Roman" panose="02020603050405020304" pitchFamily="18" charset="0"/>
+              <a:cs typeface="Times New Roman" panose="02020603050405020304" pitchFamily="18" charset="0"/>
+            </a:endParaRPr>
+          </a:p>
+        </p:txBody>
+      </p:sp>
+      <p:sp>
+        <p:nvSpPr>
+          <p:cNvPr id="254" name="Rectangle 253"/>
+          <p:cNvSpPr/>
+          <p:nvPr/>
+        </p:nvSpPr>
+        <p:spPr>
+          <a:xfrm>
+            <a:off x="8223670" y="13326460"/>
+            <a:ext cx="648767" cy="501676"/>
+          </a:xfrm>
+          <a:prstGeom prst="rect">
+            <a:avLst/>
+          </a:prstGeom>
+          <a:effectLst>
+            <a:outerShdw blurRad="50800" dist="50800" dir="5400000" algn="ctr" rotWithShape="0">
+              <a:srgbClr val="000000">
+                <a:alpha val="0"/>
+              </a:srgbClr>
+            </a:outerShdw>
+          </a:effectLst>
+        </p:spPr>
+        <p:txBody>
+          <a:bodyPr wrap="square">
+            <a:spAutoFit/>
+          </a:bodyPr>
+          <a:lstStyle/>
+          <a:p>
+            <a:r>
+              <a:rPr lang="sv-SE" sz="2660" b="1" dirty="0" err="1">
+                <a:latin typeface="Times New Roman" panose="02020603050405020304" pitchFamily="18" charset="0"/>
+                <a:cs typeface="Times New Roman" panose="02020603050405020304" pitchFamily="18" charset="0"/>
+              </a:rPr>
+              <a:t>Tc</a:t>
+            </a:r>
+            <a:r>
+              <a:rPr lang="sv-SE" sz="2660" b="1" dirty="0">
+                <a:latin typeface="Times New Roman" panose="02020603050405020304" pitchFamily="18" charset="0"/>
+                <a:cs typeface="Times New Roman" panose="02020603050405020304" pitchFamily="18" charset="0"/>
+              </a:rPr>
+              <a:t> </a:t>
+            </a:r>
+          </a:p>
+        </p:txBody>
+      </p:sp>
+      <p:sp>
+        <p:nvSpPr>
+          <p:cNvPr id="255" name="Rectangle 254"/>
+          <p:cNvSpPr/>
+          <p:nvPr/>
+        </p:nvSpPr>
+        <p:spPr>
+          <a:xfrm>
+            <a:off x="6627030" y="14276282"/>
+            <a:ext cx="2813782" cy="501676"/>
+          </a:xfrm>
+          <a:prstGeom prst="rect">
+            <a:avLst/>
+          </a:prstGeom>
+          <a:effectLst>
+            <a:outerShdw blurRad="50800" dist="50800" dir="5400000" algn="ctr" rotWithShape="0">
+              <a:srgbClr val="000000">
+                <a:alpha val="0"/>
+              </a:srgbClr>
+            </a:outerShdw>
+          </a:effectLst>
+        </p:spPr>
+        <p:txBody>
+          <a:bodyPr wrap="square">
+            <a:spAutoFit/>
+          </a:bodyPr>
+          <a:lstStyle/>
+          <a:p>
+            <a:r>
+              <a:rPr lang="sv-SE" sz="2660" b="1" dirty="0">
+                <a:latin typeface="Times New Roman" panose="02020603050405020304" pitchFamily="18" charset="0"/>
+                <a:cs typeface="Times New Roman" panose="02020603050405020304" pitchFamily="18" charset="0"/>
+              </a:rPr>
+              <a:t>|</a:t>
+            </a:r>
+            <a:r>
+              <a:rPr lang="sv-SE" sz="2660" b="1" dirty="0" err="1">
+                <a:latin typeface="Times New Roman" panose="02020603050405020304" pitchFamily="18" charset="0"/>
+                <a:cs typeface="Times New Roman" panose="02020603050405020304" pitchFamily="18" charset="0"/>
+              </a:rPr>
+              <a:t>Tc</a:t>
+            </a:r>
+            <a:r>
+              <a:rPr lang="sv-SE" sz="2660" b="1" dirty="0">
+                <a:latin typeface="Times New Roman" panose="02020603050405020304" pitchFamily="18" charset="0"/>
+                <a:cs typeface="Times New Roman" panose="02020603050405020304" pitchFamily="18" charset="0"/>
+              </a:rPr>
+              <a:t> (k)-</a:t>
+            </a:r>
+            <a:r>
+              <a:rPr lang="sv-SE" sz="2660" b="1" dirty="0" err="1">
+                <a:latin typeface="Times New Roman" panose="02020603050405020304" pitchFamily="18" charset="0"/>
+                <a:cs typeface="Times New Roman" panose="02020603050405020304" pitchFamily="18" charset="0"/>
+              </a:rPr>
+              <a:t>Tc</a:t>
+            </a:r>
+            <a:r>
+              <a:rPr lang="sv-SE" sz="2660" b="1" dirty="0">
+                <a:latin typeface="Times New Roman" panose="02020603050405020304" pitchFamily="18" charset="0"/>
+                <a:cs typeface="Times New Roman" panose="02020603050405020304" pitchFamily="18" charset="0"/>
+              </a:rPr>
+              <a:t>(k-1)|&lt; </a:t>
+            </a:r>
+            <a:r>
+              <a:rPr lang="el-GR" sz="2660" b="1" dirty="0">
+                <a:latin typeface="Times New Roman" panose="02020603050405020304" pitchFamily="18" charset="0"/>
+                <a:cs typeface="Times New Roman" panose="02020603050405020304" pitchFamily="18" charset="0"/>
+              </a:rPr>
+              <a:t>ϵ</a:t>
+            </a:r>
+            <a:r>
+              <a:rPr lang="sv-SE" sz="2660" b="1" dirty="0">
+                <a:latin typeface="Times New Roman" panose="02020603050405020304" pitchFamily="18" charset="0"/>
+                <a:cs typeface="Times New Roman" panose="02020603050405020304" pitchFamily="18" charset="0"/>
+              </a:rPr>
+              <a:t> </a:t>
+            </a:r>
+          </a:p>
+        </p:txBody>
+      </p:sp>
+      <p:cxnSp>
+        <p:nvCxnSpPr>
+          <p:cNvPr id="256" name="Straight Arrow Connector 255"/>
+          <p:cNvCxnSpPr/>
+          <p:nvPr/>
+        </p:nvCxnSpPr>
+        <p:spPr>
+          <a:xfrm flipH="1">
+            <a:off x="9802445" y="14643075"/>
+            <a:ext cx="1001852" cy="1"/>
+          </a:xfrm>
+          <a:prstGeom prst="straightConnector1">
+            <a:avLst/>
+          </a:prstGeom>
+          <a:ln w="25400">
+            <a:solidFill>
+              <a:schemeClr val="tx1"/>
+            </a:solidFill>
+            <a:tailEnd type="none"/>
+          </a:ln>
+          <a:effectLst>
+            <a:outerShdw blurRad="50800" dist="50800" dir="5400000" algn="ctr" rotWithShape="0">
+              <a:srgbClr val="000000">
+                <a:alpha val="0"/>
+              </a:srgbClr>
+            </a:outerShdw>
+            <a:reflection endPos="2000" dist="50800" dir="5400000" sy="-100000" algn="bl" rotWithShape="0"/>
+          </a:effectLst>
+        </p:spPr>
+        <p:style>
+          <a:lnRef idx="1">
+            <a:schemeClr val="accent1"/>
+          </a:lnRef>
+          <a:fillRef idx="0">
+            <a:schemeClr val="accent1"/>
+          </a:fillRef>
+          <a:effectRef idx="0">
+            <a:schemeClr val="accent1"/>
+          </a:effectRef>
+          <a:fontRef idx="minor">
+            <a:schemeClr val="tx1"/>
+          </a:fontRef>
+        </p:style>
+      </p:cxnSp>
+      <p:sp>
+        <p:nvSpPr>
+          <p:cNvPr id="257" name="Rectangle 256"/>
+          <p:cNvSpPr/>
+          <p:nvPr/>
+        </p:nvSpPr>
+        <p:spPr>
+          <a:xfrm>
+            <a:off x="10086138" y="14025687"/>
+            <a:ext cx="1046897" cy="501676"/>
+          </a:xfrm>
+          <a:prstGeom prst="rect">
+            <a:avLst/>
+          </a:prstGeom>
+          <a:effectLst>
+            <a:outerShdw blurRad="50800" dist="50800" dir="5400000" algn="ctr" rotWithShape="0">
+              <a:srgbClr val="000000">
+                <a:alpha val="0"/>
+              </a:srgbClr>
+            </a:outerShdw>
+          </a:effectLst>
+        </p:spPr>
+        <p:txBody>
+          <a:bodyPr wrap="square">
+            <a:spAutoFit/>
+          </a:bodyPr>
+          <a:lstStyle/>
+          <a:p>
+            <a:r>
+              <a:rPr lang="sv-SE" sz="2660" b="1" dirty="0">
+                <a:latin typeface="Times New Roman" panose="02020603050405020304" pitchFamily="18" charset="0"/>
+                <a:cs typeface="Times New Roman" panose="02020603050405020304" pitchFamily="18" charset="0"/>
+              </a:rPr>
+              <a:t>No</a:t>
+            </a:r>
+          </a:p>
+        </p:txBody>
+      </p:sp>
+      <p:cxnSp>
+        <p:nvCxnSpPr>
+          <p:cNvPr id="258" name="Straight Arrow Connector 257"/>
+          <p:cNvCxnSpPr/>
+          <p:nvPr/>
+        </p:nvCxnSpPr>
+        <p:spPr>
+          <a:xfrm>
+            <a:off x="7954394" y="15261365"/>
+            <a:ext cx="10440" cy="1350235"/>
+          </a:xfrm>
+          <a:prstGeom prst="straightConnector1">
+            <a:avLst/>
+          </a:prstGeom>
+          <a:ln w="25400">
+            <a:solidFill>
+              <a:schemeClr val="tx1"/>
+            </a:solidFill>
+            <a:tailEnd type="triangle"/>
+          </a:ln>
+          <a:effectLst>
+            <a:outerShdw blurRad="50800" dist="50800" dir="5400000" algn="ctr" rotWithShape="0">
+              <a:srgbClr val="000000">
+                <a:alpha val="0"/>
+              </a:srgbClr>
+            </a:outerShdw>
+            <a:reflection endPos="2000" dist="50800" dir="5400000" sy="-100000" algn="bl" rotWithShape="0"/>
+          </a:effectLst>
+        </p:spPr>
+        <p:style>
+          <a:lnRef idx="1">
+            <a:schemeClr val="accent1"/>
+          </a:lnRef>
+          <a:fillRef idx="0">
+            <a:schemeClr val="accent1"/>
+          </a:fillRef>
+          <a:effectRef idx="0">
+            <a:schemeClr val="accent1"/>
+          </a:effectRef>
+          <a:fontRef idx="minor">
+            <a:schemeClr val="tx1"/>
+          </a:fontRef>
+        </p:style>
+      </p:cxnSp>
+      <p:sp>
+        <p:nvSpPr>
+          <p:cNvPr id="259" name="Rectangle 258"/>
+          <p:cNvSpPr/>
+          <p:nvPr/>
+        </p:nvSpPr>
+        <p:spPr>
+          <a:xfrm>
+            <a:off x="8076181" y="15177938"/>
+            <a:ext cx="1046897" cy="501676"/>
+          </a:xfrm>
+          <a:prstGeom prst="rect">
+            <a:avLst/>
+          </a:prstGeom>
+          <a:effectLst>
+            <a:outerShdw blurRad="50800" dist="50800" dir="5400000" algn="ctr" rotWithShape="0">
+              <a:srgbClr val="000000">
+                <a:alpha val="0"/>
+              </a:srgbClr>
+            </a:outerShdw>
+          </a:effectLst>
+        </p:spPr>
+        <p:txBody>
+          <a:bodyPr wrap="square">
+            <a:spAutoFit/>
+          </a:bodyPr>
+          <a:lstStyle/>
+          <a:p>
+            <a:r>
+              <a:rPr lang="sv-SE" sz="2660" b="1" dirty="0" err="1">
+                <a:latin typeface="Times New Roman" panose="02020603050405020304" pitchFamily="18" charset="0"/>
+                <a:cs typeface="Times New Roman" panose="02020603050405020304" pitchFamily="18" charset="0"/>
+              </a:rPr>
+              <a:t>Yes</a:t>
+            </a:r>
+            <a:endParaRPr lang="sv-SE" sz="2660" b="1" dirty="0">
+              <a:latin typeface="Times New Roman" panose="02020603050405020304" pitchFamily="18" charset="0"/>
+              <a:cs typeface="Times New Roman" panose="02020603050405020304" pitchFamily="18" charset="0"/>
+            </a:endParaRPr>
+          </a:p>
+        </p:txBody>
+      </p:sp>
+      <p:sp>
+        <p:nvSpPr>
+          <p:cNvPr id="260" name="Rectangle 259"/>
+          <p:cNvSpPr/>
+          <p:nvPr/>
+        </p:nvSpPr>
+        <p:spPr>
+          <a:xfrm>
+            <a:off x="7002840" y="15696800"/>
+            <a:ext cx="1535919" cy="501676"/>
+          </a:xfrm>
+          <a:prstGeom prst="rect">
+            <a:avLst/>
+          </a:prstGeom>
+          <a:effectLst>
+            <a:outerShdw blurRad="50800" dist="50800" dir="5400000" algn="ctr" rotWithShape="0">
+              <a:srgbClr val="000000">
+                <a:alpha val="0"/>
+              </a:srgbClr>
+            </a:outerShdw>
+          </a:effectLst>
+        </p:spPr>
+        <p:txBody>
+          <a:bodyPr wrap="square">
+            <a:spAutoFit/>
+          </a:bodyPr>
+          <a:lstStyle/>
+          <a:p>
+            <a:r>
+              <a:rPr lang="sv-SE" sz="2660" b="1" dirty="0" err="1">
+                <a:latin typeface="Times New Roman" panose="02020603050405020304" pitchFamily="18" charset="0"/>
+                <a:cs typeface="Times New Roman" panose="02020603050405020304" pitchFamily="18" charset="0"/>
+              </a:rPr>
+              <a:t>Tc</a:t>
+            </a:r>
+            <a:r>
+              <a:rPr lang="sv-SE" sz="2660" b="1" dirty="0">
+                <a:latin typeface="Times New Roman" panose="02020603050405020304" pitchFamily="18" charset="0"/>
+                <a:cs typeface="Times New Roman" panose="02020603050405020304" pitchFamily="18" charset="0"/>
+              </a:rPr>
+              <a:t> (t) </a:t>
+            </a:r>
+          </a:p>
+        </p:txBody>
+      </p:sp>
+      <p:sp>
+        <p:nvSpPr>
+          <p:cNvPr id="261" name="Rectangle 260"/>
+          <p:cNvSpPr/>
+          <p:nvPr/>
+        </p:nvSpPr>
+        <p:spPr>
+          <a:xfrm>
+            <a:off x="10062139" y="9803438"/>
+            <a:ext cx="568705" cy="501676"/>
+          </a:xfrm>
+          <a:prstGeom prst="rect">
+            <a:avLst/>
+          </a:prstGeom>
+          <a:effectLst>
+            <a:outerShdw blurRad="50800" dist="50800" dir="5400000" algn="ctr" rotWithShape="0">
+              <a:srgbClr val="000000">
+                <a:alpha val="0"/>
+              </a:srgbClr>
+            </a:outerShdw>
+          </a:effectLst>
+        </p:spPr>
+        <p:txBody>
+          <a:bodyPr wrap="square">
+            <a:spAutoFit/>
+          </a:bodyPr>
+          <a:lstStyle/>
+          <a:p>
+            <a:r>
+              <a:rPr lang="sv-SE" sz="2660" b="1" dirty="0" err="1">
+                <a:latin typeface="Times New Roman" panose="02020603050405020304" pitchFamily="18" charset="0"/>
+                <a:cs typeface="Times New Roman" panose="02020603050405020304" pitchFamily="18" charset="0"/>
+              </a:rPr>
+              <a:t>Tc</a:t>
+            </a:r>
+            <a:r>
+              <a:rPr lang="sv-SE" sz="2660" b="1" dirty="0">
+                <a:latin typeface="Times New Roman" panose="02020603050405020304" pitchFamily="18" charset="0"/>
+                <a:cs typeface="Times New Roman" panose="02020603050405020304" pitchFamily="18" charset="0"/>
+              </a:rPr>
+              <a:t> </a:t>
+            </a:r>
+          </a:p>
+        </p:txBody>
+      </p:sp>
+      <p:pic>
+        <p:nvPicPr>
+          <p:cNvPr id="262" name="Picture 261"/>
+          <p:cNvPicPr>
+            <a:picLocks noChangeAspect="1"/>
+          </p:cNvPicPr>
+          <p:nvPr/>
+        </p:nvPicPr>
+        <p:blipFill>
+          <a:blip r:embed="rId7"/>
+          <a:stretch>
+            <a:fillRect/>
+          </a:stretch>
+        </p:blipFill>
+        <p:spPr>
+          <a:xfrm>
+            <a:off x="492182" y="9574299"/>
+            <a:ext cx="4535071" cy="1514771"/>
+          </a:xfrm>
+          <a:prstGeom prst="rect">
+            <a:avLst/>
+          </a:prstGeom>
+          <a:effectLst>
+            <a:outerShdw blurRad="50800" dist="50800" dir="5400000" algn="ctr" rotWithShape="0">
+              <a:srgbClr val="000000">
+                <a:alpha val="0"/>
+              </a:srgbClr>
+            </a:outerShdw>
+          </a:effectLst>
+        </p:spPr>
+      </p:pic>
+      <p:sp>
+        <p:nvSpPr>
+          <p:cNvPr id="263" name="Rounded Rectangle 262"/>
+          <p:cNvSpPr/>
+          <p:nvPr/>
+        </p:nvSpPr>
+        <p:spPr>
+          <a:xfrm>
+            <a:off x="387948" y="9379855"/>
+            <a:ext cx="4846989" cy="1903666"/>
+          </a:xfrm>
+          <a:prstGeom prst="roundRect">
+            <a:avLst/>
+          </a:prstGeom>
+          <a:noFill/>
+          <a:ln>
+            <a:solidFill>
+              <a:schemeClr val="tx1"/>
+            </a:solidFill>
+          </a:ln>
+          <a:effectLst>
+            <a:outerShdw blurRad="50800" dist="50800" dir="5400000" algn="ctr" rotWithShape="0">
+              <a:srgbClr val="000000">
+                <a:alpha val="0"/>
+              </a:srgbClr>
+            </a:outerShdw>
+          </a:effectLst>
+        </p:spPr>
+        <p:style>
+          <a:lnRef idx="2">
+            <a:schemeClr val="accent1">
+              <a:shade val="50000"/>
+            </a:schemeClr>
+          </a:lnRef>
+          <a:fillRef idx="1">
+            <a:schemeClr val="accent1"/>
+          </a:fillRef>
+          <a:effectRef idx="0">
+            <a:schemeClr val="accent1"/>
+          </a:effectRef>
+          <a:fontRef idx="minor">
+            <a:schemeClr val="lt1"/>
+          </a:fontRef>
+        </p:style>
+        <p:txBody>
+          <a:bodyPr rot="0" spcFirstLastPara="0" vertOverflow="overflow" horzOverflow="overflow" vert="horz" wrap="square" lIns="135005" tIns="67504" rIns="135005" bIns="67504" numCol="1" spcCol="0" rtlCol="0" fromWordArt="0" anchor="ctr" anchorCtr="0" forceAA="0" compatLnSpc="1">
+            <a:prstTxWarp prst="textNoShape">
+              <a:avLst/>
+            </a:prstTxWarp>
+            <a:noAutofit/>
+          </a:bodyPr>
+          <a:lstStyle/>
+          <a:p>
+            <a:pPr algn="ctr"/>
+            <a:endParaRPr lang="sv-SE" sz="2660" b="1" dirty="0">
+              <a:latin typeface="Times New Roman" panose="02020603050405020304" pitchFamily="18" charset="0"/>
+              <a:cs typeface="Times New Roman" panose="02020603050405020304" pitchFamily="18" charset="0"/>
+            </a:endParaRPr>
+          </a:p>
+        </p:txBody>
+      </p:sp>
+      <p:cxnSp>
+        <p:nvCxnSpPr>
+          <p:cNvPr id="264" name="Straight Arrow Connector 263"/>
+          <p:cNvCxnSpPr>
+            <a:stCxn id="263" idx="3"/>
+            <a:endCxn id="246" idx="1"/>
+          </p:cNvCxnSpPr>
+          <p:nvPr/>
+        </p:nvCxnSpPr>
+        <p:spPr>
+          <a:xfrm flipV="1">
+            <a:off x="5234935" y="10331690"/>
+            <a:ext cx="615864" cy="1"/>
+          </a:xfrm>
+          <a:prstGeom prst="straightConnector1">
+            <a:avLst/>
+          </a:prstGeom>
+          <a:ln w="25400">
+            <a:solidFill>
+              <a:schemeClr val="tx1"/>
+            </a:solidFill>
+            <a:tailEnd type="triangle"/>
+          </a:ln>
+          <a:effectLst>
+            <a:outerShdw blurRad="50800" dist="50800" dir="5400000" algn="ctr" rotWithShape="0">
+              <a:srgbClr val="000000">
+                <a:alpha val="0"/>
+              </a:srgbClr>
+            </a:outerShdw>
+            <a:reflection endPos="2000" dist="50800" dir="5400000" sy="-100000" algn="bl" rotWithShape="0"/>
+          </a:effectLst>
+        </p:spPr>
+        <p:style>
+          <a:lnRef idx="1">
+            <a:schemeClr val="accent1"/>
+          </a:lnRef>
+          <a:fillRef idx="0">
+            <a:schemeClr val="accent1"/>
+          </a:fillRef>
+          <a:effectRef idx="0">
+            <a:schemeClr val="accent1"/>
+          </a:effectRef>
+          <a:fontRef idx="minor">
+            <a:schemeClr val="tx1"/>
+          </a:fontRef>
+        </p:style>
+      </p:cxnSp>
+      <p:cxnSp>
+        <p:nvCxnSpPr>
+          <p:cNvPr id="265" name="Straight Arrow Connector 264"/>
+          <p:cNvCxnSpPr>
+            <a:stCxn id="266" idx="3"/>
+            <a:endCxn id="209" idx="1"/>
+          </p:cNvCxnSpPr>
+          <p:nvPr/>
+        </p:nvCxnSpPr>
+        <p:spPr>
+          <a:xfrm flipV="1">
+            <a:off x="7293675" y="5661027"/>
+            <a:ext cx="2044569" cy="3729"/>
+          </a:xfrm>
+          <a:prstGeom prst="straightConnector1">
+            <a:avLst/>
+          </a:prstGeom>
+          <a:ln w="25400">
+            <a:solidFill>
+              <a:schemeClr val="tx1"/>
+            </a:solidFill>
+            <a:tailEnd type="triangle"/>
+          </a:ln>
+          <a:effectLst>
+            <a:outerShdw blurRad="50800" dist="50800" dir="5400000" algn="ctr" rotWithShape="0">
+              <a:srgbClr val="000000">
+                <a:alpha val="0"/>
+              </a:srgbClr>
+            </a:outerShdw>
+            <a:reflection endPos="2000" dist="50800" dir="5400000" sy="-100000" algn="bl" rotWithShape="0"/>
+          </a:effectLst>
+        </p:spPr>
+        <p:style>
+          <a:lnRef idx="1">
+            <a:schemeClr val="accent1"/>
+          </a:lnRef>
+          <a:fillRef idx="0">
+            <a:schemeClr val="accent1"/>
+          </a:fillRef>
+          <a:effectRef idx="0">
+            <a:schemeClr val="accent1"/>
+          </a:effectRef>
+          <a:fontRef idx="minor">
+            <a:schemeClr val="tx1"/>
+          </a:fontRef>
+        </p:style>
+      </p:cxnSp>
+      <p:sp>
+        <p:nvSpPr>
+          <p:cNvPr id="266" name="Rounded Rectangle 265"/>
+          <p:cNvSpPr/>
+          <p:nvPr/>
+        </p:nvSpPr>
+        <p:spPr>
+          <a:xfrm>
+            <a:off x="5219814" y="4940528"/>
+            <a:ext cx="2073861" cy="1448456"/>
+          </a:xfrm>
+          <a:prstGeom prst="roundRect">
+            <a:avLst/>
+          </a:prstGeom>
+          <a:noFill/>
+          <a:ln>
+            <a:solidFill>
+              <a:schemeClr val="tx1"/>
+            </a:solidFill>
+          </a:ln>
+          <a:effectLst>
+            <a:outerShdw blurRad="50800" dist="50800" dir="5400000" algn="ctr" rotWithShape="0">
+              <a:srgbClr val="000000">
+                <a:alpha val="0"/>
+              </a:srgbClr>
+            </a:outerShdw>
+          </a:effectLst>
+        </p:spPr>
+        <p:style>
+          <a:lnRef idx="2">
+            <a:schemeClr val="accent1">
+              <a:shade val="50000"/>
+            </a:schemeClr>
+          </a:lnRef>
+          <a:fillRef idx="1">
+            <a:schemeClr val="accent1"/>
+          </a:fillRef>
+          <a:effectRef idx="0">
+            <a:schemeClr val="accent1"/>
+          </a:effectRef>
+          <a:fontRef idx="minor">
+            <a:schemeClr val="lt1"/>
+          </a:fontRef>
+        </p:style>
+        <p:txBody>
+          <a:bodyPr rot="0" spcFirstLastPara="0" vertOverflow="overflow" horzOverflow="overflow" vert="horz" wrap="square" lIns="135005" tIns="67504" rIns="135005" bIns="67504" numCol="1" spcCol="0" rtlCol="0" fromWordArt="0" anchor="ctr" anchorCtr="0" forceAA="0" compatLnSpc="1">
+            <a:prstTxWarp prst="textNoShape">
+              <a:avLst/>
+            </a:prstTxWarp>
+            <a:noAutofit/>
+          </a:bodyPr>
+          <a:lstStyle/>
+          <a:p>
+            <a:pPr algn="ctr"/>
+            <a:endParaRPr lang="sv-SE" sz="2660" b="1">
+              <a:latin typeface="Times New Roman" panose="02020603050405020304" pitchFamily="18" charset="0"/>
+              <a:cs typeface="Times New Roman" panose="02020603050405020304" pitchFamily="18" charset="0"/>
+            </a:endParaRPr>
+          </a:p>
+        </p:txBody>
+      </p:sp>
+      <p:pic>
+        <p:nvPicPr>
+          <p:cNvPr id="267" name="Picture 8" descr="DC-LINK Capacitors / Intermediate Circuit Capacitors - WIMA – Competence in  Capacitors"/>
+          <p:cNvPicPr>
+            <a:picLocks noChangeAspect="1" noChangeArrowheads="1"/>
+          </p:cNvPicPr>
+          <p:nvPr/>
+        </p:nvPicPr>
+        <p:blipFill>
+          <a:blip r:embed="rId8" cstate="print">
+            <a:extLst>
+              <a:ext uri="{28A0092B-C50C-407E-A947-70E740481C1C}">
+                <a14:useLocalDpi xmlns:a14="http://schemas.microsoft.com/office/drawing/2010/main" val="0"/>
+              </a:ext>
+            </a:extLst>
+          </a:blip>
+          <a:srcRect/>
+          <a:stretch>
+            <a:fillRect/>
+          </a:stretch>
+        </p:blipFill>
+        <p:spPr bwMode="auto">
+          <a:xfrm>
+            <a:off x="5423399" y="5060658"/>
+            <a:ext cx="1759570" cy="1160501"/>
+          </a:xfrm>
+          <a:prstGeom prst="rect">
+            <a:avLst/>
+          </a:prstGeom>
+          <a:noFill/>
+          <a:effectLst>
+            <a:outerShdw blurRad="50800" dist="50800" dir="5400000" algn="ctr" rotWithShape="0">
+              <a:srgbClr val="000000">
+                <a:alpha val="0"/>
+              </a:srgbClr>
+            </a:outerShdw>
+          </a:effectLst>
+          <a:extLst>
+            <a:ext uri="{909E8E84-426E-40DD-AFC4-6F175D3DCCD1}">
+              <a14:hiddenFill xmlns:a14="http://schemas.microsoft.com/office/drawing/2010/main">
+                <a:solidFill>
+                  <a:srgbClr val="FFFFFF"/>
+                </a:solidFill>
+              </a14:hiddenFill>
+            </a:ext>
+          </a:extLst>
+        </p:spPr>
+      </p:pic>
+      <p:pic>
+        <p:nvPicPr>
+          <p:cNvPr id="268" name="Picture 267"/>
+          <p:cNvPicPr>
+            <a:picLocks noChangeAspect="1"/>
+          </p:cNvPicPr>
+          <p:nvPr/>
+        </p:nvPicPr>
+        <p:blipFill>
+          <a:blip r:embed="rId9"/>
+          <a:stretch>
+            <a:fillRect/>
+          </a:stretch>
+        </p:blipFill>
+        <p:spPr>
+          <a:xfrm>
+            <a:off x="1711230" y="11878436"/>
+            <a:ext cx="2278209" cy="1392238"/>
+          </a:xfrm>
+          <a:prstGeom prst="rect">
+            <a:avLst/>
+          </a:prstGeom>
+          <a:effectLst>
+            <a:outerShdw blurRad="50800" dist="50800" dir="5400000" algn="ctr" rotWithShape="0">
+              <a:srgbClr val="000000">
+                <a:alpha val="0"/>
+              </a:srgbClr>
+            </a:outerShdw>
+          </a:effectLst>
+        </p:spPr>
+      </p:pic>
+      <p:sp>
+        <p:nvSpPr>
+          <p:cNvPr id="269" name="Rounded Rectangle 268"/>
+          <p:cNvSpPr/>
+          <p:nvPr/>
+        </p:nvSpPr>
+        <p:spPr>
+          <a:xfrm>
+            <a:off x="1420259" y="11659555"/>
+            <a:ext cx="2958264" cy="1903666"/>
+          </a:xfrm>
+          <a:prstGeom prst="roundRect">
+            <a:avLst/>
+          </a:prstGeom>
+          <a:noFill/>
+          <a:ln>
+            <a:solidFill>
+              <a:schemeClr val="tx1"/>
+            </a:solidFill>
+          </a:ln>
+          <a:effectLst>
+            <a:outerShdw blurRad="50800" dist="50800" dir="5400000" algn="ctr" rotWithShape="0">
+              <a:srgbClr val="000000">
+                <a:alpha val="0"/>
+              </a:srgbClr>
+            </a:outerShdw>
+          </a:effectLst>
+        </p:spPr>
+        <p:style>
+          <a:lnRef idx="2">
+            <a:schemeClr val="accent1">
+              <a:shade val="50000"/>
+            </a:schemeClr>
+          </a:lnRef>
+          <a:fillRef idx="1">
+            <a:schemeClr val="accent1"/>
+          </a:fillRef>
+          <a:effectRef idx="0">
+            <a:schemeClr val="accent1"/>
+          </a:effectRef>
+          <a:fontRef idx="minor">
+            <a:schemeClr val="lt1"/>
+          </a:fontRef>
+        </p:style>
+        <p:txBody>
+          <a:bodyPr rot="0" spcFirstLastPara="0" vertOverflow="overflow" horzOverflow="overflow" vert="horz" wrap="square" lIns="135005" tIns="67504" rIns="135005" bIns="67504" numCol="1" spcCol="0" rtlCol="0" fromWordArt="0" anchor="ctr" anchorCtr="0" forceAA="0" compatLnSpc="1">
+            <a:prstTxWarp prst="textNoShape">
+              <a:avLst/>
+            </a:prstTxWarp>
+            <a:noAutofit/>
+          </a:bodyPr>
+          <a:lstStyle/>
+          <a:p>
+            <a:pPr algn="ctr"/>
+            <a:endParaRPr lang="sv-SE" sz="2660" b="1" dirty="0">
+              <a:latin typeface="Times New Roman" panose="02020603050405020304" pitchFamily="18" charset="0"/>
+              <a:cs typeface="Times New Roman" panose="02020603050405020304" pitchFamily="18" charset="0"/>
+            </a:endParaRPr>
+          </a:p>
+        </p:txBody>
+      </p:sp>
+      <p:cxnSp>
+        <p:nvCxnSpPr>
+          <p:cNvPr id="270" name="Straight Arrow Connector 269"/>
+          <p:cNvCxnSpPr>
+            <a:stCxn id="269" idx="3"/>
+            <a:endCxn id="247" idx="1"/>
+          </p:cNvCxnSpPr>
+          <p:nvPr/>
+        </p:nvCxnSpPr>
+        <p:spPr>
+          <a:xfrm>
+            <a:off x="4378525" y="12611387"/>
+            <a:ext cx="1583159" cy="25856"/>
+          </a:xfrm>
+          <a:prstGeom prst="straightConnector1">
+            <a:avLst/>
+          </a:prstGeom>
+          <a:ln w="25400">
+            <a:solidFill>
+              <a:schemeClr val="tx1"/>
+            </a:solidFill>
+            <a:tailEnd type="triangle"/>
+          </a:ln>
+          <a:effectLst>
+            <a:outerShdw blurRad="50800" dist="50800" dir="5400000" algn="ctr" rotWithShape="0">
+              <a:srgbClr val="000000">
+                <a:alpha val="0"/>
+              </a:srgbClr>
+            </a:outerShdw>
+            <a:reflection endPos="2000" dist="50800" dir="5400000" sy="-100000" algn="bl" rotWithShape="0"/>
+          </a:effectLst>
+        </p:spPr>
+        <p:style>
+          <a:lnRef idx="1">
+            <a:schemeClr val="accent1"/>
+          </a:lnRef>
+          <a:fillRef idx="0">
+            <a:schemeClr val="accent1"/>
+          </a:fillRef>
+          <a:effectRef idx="0">
+            <a:schemeClr val="accent1"/>
+          </a:effectRef>
+          <a:fontRef idx="minor">
+            <a:schemeClr val="tx1"/>
+          </a:fontRef>
+        </p:style>
+      </p:cxnSp>
+      <p:cxnSp>
+        <p:nvCxnSpPr>
+          <p:cNvPr id="271" name="Straight Arrow Connector 270"/>
+          <p:cNvCxnSpPr>
+            <a:stCxn id="211" idx="2"/>
+            <a:endCxn id="223" idx="0"/>
+          </p:cNvCxnSpPr>
+          <p:nvPr/>
+        </p:nvCxnSpPr>
+        <p:spPr>
+          <a:xfrm>
+            <a:off x="11319226" y="9023333"/>
+            <a:ext cx="3386318" cy="904699"/>
+          </a:xfrm>
+          <a:prstGeom prst="straightConnector1">
+            <a:avLst/>
+          </a:prstGeom>
+          <a:ln w="25400">
+            <a:solidFill>
+              <a:schemeClr val="tx1"/>
+            </a:solidFill>
+            <a:tailEnd type="triangle"/>
+          </a:ln>
+          <a:effectLst>
+            <a:outerShdw blurRad="50800" dist="50800" dir="5400000" algn="ctr" rotWithShape="0">
+              <a:srgbClr val="000000">
+                <a:alpha val="0"/>
+              </a:srgbClr>
+            </a:outerShdw>
+            <a:reflection endPos="2000" dist="50800" dir="5400000" sy="-100000" algn="bl" rotWithShape="0"/>
+          </a:effectLst>
+        </p:spPr>
+        <p:style>
+          <a:lnRef idx="1">
+            <a:schemeClr val="accent1"/>
+          </a:lnRef>
+          <a:fillRef idx="0">
+            <a:schemeClr val="accent1"/>
+          </a:fillRef>
+          <a:effectRef idx="0">
+            <a:schemeClr val="accent1"/>
+          </a:effectRef>
+          <a:fontRef idx="minor">
+            <a:schemeClr val="tx1"/>
+          </a:fontRef>
+        </p:style>
+      </p:cxnSp>
+      <p:sp>
+        <p:nvSpPr>
+          <p:cNvPr id="81" name="Rectangle 80"/>
+          <p:cNvSpPr/>
+          <p:nvPr/>
+        </p:nvSpPr>
+        <p:spPr>
+          <a:xfrm>
+            <a:off x="13771826" y="15753106"/>
+            <a:ext cx="1496541" cy="501676"/>
+          </a:xfrm>
+          <a:prstGeom prst="rect">
+            <a:avLst/>
+          </a:prstGeom>
+          <a:effectLst>
+            <a:outerShdw blurRad="50800" dist="50800" dir="5400000" algn="ctr" rotWithShape="0">
+              <a:srgbClr val="000000">
+                <a:alpha val="0"/>
+              </a:srgbClr>
+            </a:outerShdw>
+          </a:effectLst>
+        </p:spPr>
+        <p:txBody>
+          <a:bodyPr wrap="square">
+            <a:spAutoFit/>
+          </a:bodyPr>
+          <a:lstStyle/>
+          <a:p>
+            <a:r>
+              <a:rPr lang="sv-SE" sz="2660" b="1" dirty="0" err="1">
+                <a:latin typeface="Times New Roman" panose="02020603050405020304" pitchFamily="18" charset="0"/>
+                <a:cs typeface="Times New Roman" panose="02020603050405020304" pitchFamily="18" charset="0"/>
+              </a:rPr>
+              <a:t>Tj</a:t>
+            </a:r>
+            <a:r>
+              <a:rPr lang="sv-SE" sz="2660" b="1" dirty="0">
+                <a:latin typeface="Times New Roman" panose="02020603050405020304" pitchFamily="18" charset="0"/>
+                <a:cs typeface="Times New Roman" panose="02020603050405020304" pitchFamily="18" charset="0"/>
+              </a:rPr>
+              <a:t> (t) </a:t>
+            </a:r>
+          </a:p>
+        </p:txBody>
+      </p:sp>
+    </p:spTree>
+    <p:extLst>
+      <p:ext uri="{BB962C8B-B14F-4D97-AF65-F5344CB8AC3E}">
+        <p14:creationId xmlns:p14="http://schemas.microsoft.com/office/powerpoint/2010/main" val="2928301087"/>
+      </p:ext>
+    </p:extLst>
+  </p:cSld>
+  <p:clrMapOvr>
+    <a:masterClrMapping/>
+  </p:clrMapOvr>
+  <p:timing>
+    <p:tnLst>
+      <p:par>
+        <p:cTn id="1" dur="indefinite" restart="never" nodeType="tmRoot"/>
+      </p:par>
+    </p:tnLst>
+  </p:timing>
+</p:sld>
+</file>
+
+<file path=ppt/slides/slide4.xml><?xml version="1.0" encoding="utf-8"?>
+<p:sld xmlns:a="http://schemas.openxmlformats.org/drawingml/2006/main" xmlns:r="http://schemas.openxmlformats.org/officeDocument/2006/relationships" xmlns:p="http://schemas.openxmlformats.org/presentationml/2006/main">
+  <p:cSld>
+    <p:spTree>
+      <p:nvGrpSpPr>
+        <p:cNvPr id="1" name=""/>
+        <p:cNvGrpSpPr/>
+        <p:nvPr/>
+      </p:nvGrpSpPr>
+      <p:grpSpPr>
+        <a:xfrm>
+          <a:off x="0" y="0"/>
+          <a:ext cx="0" cy="0"/>
+          <a:chOff x="0" y="0"/>
+          <a:chExt cx="0" cy="0"/>
+        </a:xfrm>
+      </p:grpSpPr>
+      <p:sp>
+        <p:nvSpPr>
+          <p:cNvPr id="205" name="Rounded Rectangle 204"/>
+          <p:cNvSpPr/>
+          <p:nvPr/>
+        </p:nvSpPr>
+        <p:spPr>
+          <a:xfrm>
+            <a:off x="9661819" y="3544071"/>
+            <a:ext cx="3314812" cy="602172"/>
+          </a:xfrm>
+          <a:prstGeom prst="roundRect">
+            <a:avLst/>
+          </a:prstGeom>
+          <a:noFill/>
+          <a:ln>
+            <a:solidFill>
+              <a:schemeClr val="tx1"/>
+            </a:solidFill>
+          </a:ln>
+          <a:effectLst>
+            <a:outerShdw blurRad="50800" dist="50800" dir="5400000" sy="23000" kx="-1200000" algn="ctr" rotWithShape="0">
+              <a:srgbClr val="000000">
+                <a:alpha val="0"/>
+              </a:srgbClr>
+            </a:outerShdw>
+          </a:effectLst>
+        </p:spPr>
+        <p:style>
+          <a:lnRef idx="2">
+            <a:schemeClr val="accent1">
+              <a:shade val="50000"/>
+            </a:schemeClr>
+          </a:lnRef>
+          <a:fillRef idx="1">
+            <a:schemeClr val="accent1"/>
+          </a:fillRef>
+          <a:effectRef idx="0">
+            <a:schemeClr val="accent1"/>
+          </a:effectRef>
+          <a:fontRef idx="minor">
+            <a:schemeClr val="lt1"/>
+          </a:fontRef>
+        </p:style>
+        <p:txBody>
+          <a:bodyPr rot="0" spcFirstLastPara="0" vertOverflow="overflow" horzOverflow="overflow" vert="horz" wrap="square" lIns="135005" tIns="67504" rIns="135005" bIns="67504" numCol="1" spcCol="0" rtlCol="0" fromWordArt="0" anchor="ctr" anchorCtr="0" forceAA="0" compatLnSpc="1">
+            <a:prstTxWarp prst="textNoShape">
+              <a:avLst/>
+            </a:prstTxWarp>
+            <a:noAutofit/>
+          </a:bodyPr>
+          <a:lstStyle/>
+          <a:p>
+            <a:pPr algn="ctr"/>
+            <a:r>
+              <a:rPr lang="sv-SE" sz="2660" dirty="0" err="1">
+                <a:solidFill>
+                  <a:schemeClr val="tx1"/>
+                </a:solidFill>
+                <a:latin typeface="Times New Roman" panose="02020603050405020304" pitchFamily="18" charset="0"/>
+                <a:cs typeface="Times New Roman" panose="02020603050405020304" pitchFamily="18" charset="0"/>
+              </a:rPr>
+              <a:t>Topology</a:t>
+            </a:r>
+            <a:r>
+              <a:rPr lang="sv-SE" sz="2660" dirty="0">
+                <a:solidFill>
+                  <a:schemeClr val="tx1"/>
+                </a:solidFill>
+                <a:latin typeface="Times New Roman" panose="02020603050405020304" pitchFamily="18" charset="0"/>
+                <a:cs typeface="Times New Roman" panose="02020603050405020304" pitchFamily="18" charset="0"/>
+              </a:rPr>
+              <a:t> </a:t>
+            </a:r>
+            <a:r>
+              <a:rPr lang="sv-SE" sz="2660" dirty="0" err="1">
+                <a:solidFill>
+                  <a:schemeClr val="tx1"/>
+                </a:solidFill>
+                <a:latin typeface="Times New Roman" panose="02020603050405020304" pitchFamily="18" charset="0"/>
+                <a:cs typeface="Times New Roman" panose="02020603050405020304" pitchFamily="18" charset="0"/>
+              </a:rPr>
+              <a:t>Selection</a:t>
+            </a:r>
+            <a:r>
+              <a:rPr lang="sv-SE" sz="2660" dirty="0">
+                <a:solidFill>
+                  <a:schemeClr val="tx1"/>
+                </a:solidFill>
+                <a:latin typeface="Times New Roman" panose="02020603050405020304" pitchFamily="18" charset="0"/>
+                <a:cs typeface="Times New Roman" panose="02020603050405020304" pitchFamily="18" charset="0"/>
+              </a:rPr>
+              <a:t> </a:t>
+            </a:r>
+          </a:p>
+        </p:txBody>
+      </p:sp>
+      <p:cxnSp>
+        <p:nvCxnSpPr>
+          <p:cNvPr id="207" name="Straight Arrow Connector 206"/>
+          <p:cNvCxnSpPr>
+            <a:stCxn id="205" idx="2"/>
+            <a:endCxn id="209" idx="0"/>
+          </p:cNvCxnSpPr>
+          <p:nvPr/>
+        </p:nvCxnSpPr>
+        <p:spPr>
+          <a:xfrm>
+            <a:off x="11319225" y="4146243"/>
+            <a:ext cx="0" cy="1027489"/>
+          </a:xfrm>
+          <a:prstGeom prst="straightConnector1">
+            <a:avLst/>
+          </a:prstGeom>
+          <a:ln w="25400">
+            <a:solidFill>
+              <a:schemeClr val="tx1"/>
+            </a:solidFill>
+            <a:tailEnd type="triangle"/>
+          </a:ln>
+          <a:effectLst>
+            <a:outerShdw blurRad="50800" dist="50800" dir="5400000" algn="ctr" rotWithShape="0">
+              <a:srgbClr val="000000">
+                <a:alpha val="0"/>
+              </a:srgbClr>
+            </a:outerShdw>
+            <a:reflection endPos="2000" dist="50800" dir="5400000" sy="-100000" algn="bl" rotWithShape="0"/>
+          </a:effectLst>
+        </p:spPr>
+        <p:style>
+          <a:lnRef idx="1">
+            <a:schemeClr val="accent1"/>
+          </a:lnRef>
+          <a:fillRef idx="0">
+            <a:schemeClr val="accent1"/>
+          </a:fillRef>
+          <a:effectRef idx="0">
+            <a:schemeClr val="accent1"/>
+          </a:effectRef>
+          <a:fontRef idx="minor">
+            <a:schemeClr val="tx1"/>
+          </a:fontRef>
+        </p:style>
+      </p:cxnSp>
+      <p:sp>
+        <p:nvSpPr>
+          <p:cNvPr id="209" name="Rounded Rectangle 208"/>
+          <p:cNvSpPr/>
+          <p:nvPr/>
+        </p:nvSpPr>
+        <p:spPr>
+          <a:xfrm>
+            <a:off x="9338244" y="5173732"/>
+            <a:ext cx="3961962" cy="974589"/>
+          </a:xfrm>
+          <a:prstGeom prst="roundRect">
+            <a:avLst/>
+          </a:prstGeom>
+          <a:noFill/>
+          <a:ln>
+            <a:solidFill>
+              <a:schemeClr val="tx1"/>
+            </a:solidFill>
+          </a:ln>
+          <a:effectLst>
+            <a:outerShdw blurRad="50800" dist="50800" dir="5400000" sy="23000" kx="-1200000" algn="ctr" rotWithShape="0">
+              <a:srgbClr val="000000">
+                <a:alpha val="0"/>
+              </a:srgbClr>
+            </a:outerShdw>
+          </a:effectLst>
+        </p:spPr>
+        <p:style>
+          <a:lnRef idx="2">
+            <a:schemeClr val="accent1">
+              <a:shade val="50000"/>
+            </a:schemeClr>
+          </a:lnRef>
+          <a:fillRef idx="1">
+            <a:schemeClr val="accent1"/>
+          </a:fillRef>
+          <a:effectRef idx="0">
+            <a:schemeClr val="accent1"/>
+          </a:effectRef>
+          <a:fontRef idx="minor">
+            <a:schemeClr val="lt1"/>
+          </a:fontRef>
+        </p:style>
+        <p:txBody>
+          <a:bodyPr rot="0" spcFirstLastPara="0" vertOverflow="overflow" horzOverflow="overflow" vert="horz" wrap="square" lIns="135005" tIns="67504" rIns="135005" bIns="67504" numCol="1" spcCol="0" rtlCol="0" fromWordArt="0" anchor="ctr" anchorCtr="0" forceAA="0" compatLnSpc="1">
+            <a:prstTxWarp prst="textNoShape">
+              <a:avLst/>
+            </a:prstTxWarp>
+            <a:noAutofit/>
+          </a:bodyPr>
+          <a:lstStyle/>
+          <a:p>
+            <a:pPr algn="ctr"/>
+            <a:r>
+              <a:rPr lang="sv-SE" sz="2660" dirty="0" err="1">
+                <a:solidFill>
+                  <a:schemeClr val="tx1"/>
+                </a:solidFill>
+                <a:latin typeface="Times New Roman" panose="02020603050405020304" pitchFamily="18" charset="0"/>
+                <a:cs typeface="Times New Roman" panose="02020603050405020304" pitchFamily="18" charset="0"/>
+              </a:rPr>
+              <a:t>Semiconductor</a:t>
+            </a:r>
+            <a:r>
+              <a:rPr lang="sv-SE" sz="2660" dirty="0">
+                <a:solidFill>
+                  <a:schemeClr val="tx1"/>
+                </a:solidFill>
+                <a:latin typeface="Times New Roman" panose="02020603050405020304" pitchFamily="18" charset="0"/>
+                <a:cs typeface="Times New Roman" panose="02020603050405020304" pitchFamily="18" charset="0"/>
+              </a:rPr>
+              <a:t> and </a:t>
+            </a:r>
+            <a:r>
+              <a:rPr lang="sv-SE" sz="2660" dirty="0" err="1" smtClean="0">
+                <a:solidFill>
+                  <a:schemeClr val="tx1"/>
+                </a:solidFill>
+                <a:latin typeface="Times New Roman" panose="02020603050405020304" pitchFamily="18" charset="0"/>
+                <a:cs typeface="Times New Roman" panose="02020603050405020304" pitchFamily="18" charset="0"/>
+              </a:rPr>
+              <a:t>Capacitor</a:t>
+            </a:r>
+            <a:r>
+              <a:rPr lang="sv-SE" sz="2660" dirty="0" smtClean="0">
+                <a:solidFill>
+                  <a:schemeClr val="tx1"/>
+                </a:solidFill>
+                <a:latin typeface="Times New Roman" panose="02020603050405020304" pitchFamily="18" charset="0"/>
+                <a:cs typeface="Times New Roman" panose="02020603050405020304" pitchFamily="18" charset="0"/>
+              </a:rPr>
+              <a:t> </a:t>
+            </a:r>
+            <a:r>
+              <a:rPr lang="sv-SE" sz="2660" dirty="0" err="1" smtClean="0">
+                <a:solidFill>
+                  <a:schemeClr val="tx1"/>
+                </a:solidFill>
+                <a:latin typeface="Times New Roman" panose="02020603050405020304" pitchFamily="18" charset="0"/>
+                <a:cs typeface="Times New Roman" panose="02020603050405020304" pitchFamily="18" charset="0"/>
+              </a:rPr>
+              <a:t>Selection</a:t>
+            </a:r>
+            <a:endParaRPr lang="sv-SE" sz="2660" dirty="0">
+              <a:solidFill>
+                <a:schemeClr val="tx1"/>
+              </a:solidFill>
+              <a:latin typeface="Times New Roman" panose="02020603050405020304" pitchFamily="18" charset="0"/>
+              <a:cs typeface="Times New Roman" panose="02020603050405020304" pitchFamily="18" charset="0"/>
+            </a:endParaRPr>
+          </a:p>
+        </p:txBody>
+      </p:sp>
+      <p:cxnSp>
+        <p:nvCxnSpPr>
+          <p:cNvPr id="210" name="Straight Arrow Connector 209"/>
+          <p:cNvCxnSpPr>
+            <a:stCxn id="209" idx="2"/>
+            <a:endCxn id="211" idx="0"/>
+          </p:cNvCxnSpPr>
+          <p:nvPr/>
+        </p:nvCxnSpPr>
+        <p:spPr>
+          <a:xfrm>
+            <a:off x="11319225" y="6148321"/>
+            <a:ext cx="0" cy="622020"/>
+          </a:xfrm>
+          <a:prstGeom prst="straightConnector1">
+            <a:avLst/>
+          </a:prstGeom>
+          <a:ln w="25400">
+            <a:solidFill>
+              <a:schemeClr val="tx1"/>
+            </a:solidFill>
+            <a:tailEnd type="triangle"/>
+          </a:ln>
+          <a:effectLst>
+            <a:outerShdw blurRad="50800" dist="50800" dir="5400000" algn="ctr" rotWithShape="0">
+              <a:srgbClr val="000000">
+                <a:alpha val="0"/>
+              </a:srgbClr>
+            </a:outerShdw>
+            <a:reflection endPos="2000" dist="50800" dir="5400000" sy="-100000" algn="bl" rotWithShape="0"/>
+          </a:effectLst>
+        </p:spPr>
+        <p:style>
+          <a:lnRef idx="1">
+            <a:schemeClr val="accent1"/>
+          </a:lnRef>
+          <a:fillRef idx="0">
+            <a:schemeClr val="accent1"/>
+          </a:fillRef>
+          <a:effectRef idx="0">
+            <a:schemeClr val="accent1"/>
+          </a:effectRef>
+          <a:fontRef idx="minor">
+            <a:schemeClr val="tx1"/>
+          </a:fontRef>
+        </p:style>
+      </p:cxnSp>
+      <p:sp>
+        <p:nvSpPr>
+          <p:cNvPr id="211" name="Rounded Rectangle 210"/>
+          <p:cNvSpPr/>
+          <p:nvPr/>
+        </p:nvSpPr>
+        <p:spPr>
+          <a:xfrm>
+            <a:off x="9338244" y="6770341"/>
+            <a:ext cx="3961962" cy="554986"/>
+          </a:xfrm>
+          <a:prstGeom prst="roundRect">
+            <a:avLst/>
+          </a:prstGeom>
+          <a:noFill/>
+          <a:ln>
+            <a:solidFill>
+              <a:schemeClr val="tx1"/>
+            </a:solidFill>
+          </a:ln>
+          <a:effectLst>
+            <a:outerShdw blurRad="50800" dist="50800" dir="5400000" sy="23000" kx="-1200000" algn="ctr" rotWithShape="0">
+              <a:srgbClr val="000000">
+                <a:alpha val="0"/>
+              </a:srgbClr>
+            </a:outerShdw>
+          </a:effectLst>
+        </p:spPr>
+        <p:style>
+          <a:lnRef idx="2">
+            <a:schemeClr val="accent1">
+              <a:shade val="50000"/>
+            </a:schemeClr>
+          </a:lnRef>
+          <a:fillRef idx="1">
+            <a:schemeClr val="accent1"/>
+          </a:fillRef>
+          <a:effectRef idx="0">
+            <a:schemeClr val="accent1"/>
+          </a:effectRef>
+          <a:fontRef idx="minor">
+            <a:schemeClr val="lt1"/>
+          </a:fontRef>
+        </p:style>
+        <p:txBody>
+          <a:bodyPr rot="0" spcFirstLastPara="0" vertOverflow="overflow" horzOverflow="overflow" vert="horz" wrap="square" lIns="135005" tIns="67504" rIns="135005" bIns="67504" numCol="1" spcCol="0" rtlCol="0" fromWordArt="0" anchor="ctr" anchorCtr="0" forceAA="0" compatLnSpc="1">
+            <a:prstTxWarp prst="textNoShape">
+              <a:avLst/>
+            </a:prstTxWarp>
+            <a:noAutofit/>
+          </a:bodyPr>
+          <a:lstStyle/>
+          <a:p>
+            <a:pPr algn="ctr"/>
+            <a:r>
+              <a:rPr lang="sv-SE" sz="2660" dirty="0">
+                <a:solidFill>
+                  <a:schemeClr val="tx1"/>
+                </a:solidFill>
+                <a:latin typeface="Times New Roman" panose="02020603050405020304" pitchFamily="18" charset="0"/>
+                <a:cs typeface="Times New Roman" panose="02020603050405020304" pitchFamily="18" charset="0"/>
+              </a:rPr>
+              <a:t>Operating Points </a:t>
+            </a:r>
+          </a:p>
+        </p:txBody>
+      </p:sp>
+      <p:sp>
+        <p:nvSpPr>
+          <p:cNvPr id="223" name="Rounded Rectangle 222"/>
+          <p:cNvSpPr/>
+          <p:nvPr/>
+        </p:nvSpPr>
+        <p:spPr>
+          <a:xfrm>
+            <a:off x="9316069" y="7947347"/>
+            <a:ext cx="4006311" cy="867167"/>
+          </a:xfrm>
+          <a:prstGeom prst="roundRect">
+            <a:avLst/>
+          </a:prstGeom>
+          <a:noFill/>
+          <a:ln>
+            <a:solidFill>
+              <a:schemeClr val="tx1"/>
+            </a:solidFill>
+          </a:ln>
+          <a:effectLst>
+            <a:outerShdw blurRad="50800" dist="50800" dir="5400000" sy="23000" kx="-1200000" algn="ctr" rotWithShape="0">
+              <a:srgbClr val="000000">
+                <a:alpha val="0"/>
+              </a:srgbClr>
+            </a:outerShdw>
+          </a:effectLst>
+        </p:spPr>
+        <p:style>
+          <a:lnRef idx="2">
+            <a:schemeClr val="accent1">
+              <a:shade val="50000"/>
+            </a:schemeClr>
+          </a:lnRef>
+          <a:fillRef idx="1">
+            <a:schemeClr val="accent1"/>
+          </a:fillRef>
+          <a:effectRef idx="0">
+            <a:schemeClr val="accent1"/>
+          </a:effectRef>
+          <a:fontRef idx="minor">
+            <a:schemeClr val="lt1"/>
+          </a:fontRef>
+        </p:style>
+        <p:txBody>
+          <a:bodyPr rot="0" spcFirstLastPara="0" vertOverflow="overflow" horzOverflow="overflow" vert="horz" wrap="square" lIns="135005" tIns="67504" rIns="135005" bIns="67504" numCol="1" spcCol="0" rtlCol="0" fromWordArt="0" anchor="ctr" anchorCtr="0" forceAA="0" compatLnSpc="1">
+            <a:prstTxWarp prst="textNoShape">
+              <a:avLst/>
+            </a:prstTxWarp>
+            <a:noAutofit/>
+          </a:bodyPr>
+          <a:lstStyle/>
+          <a:p>
+            <a:pPr algn="ctr"/>
+            <a:r>
+              <a:rPr lang="sv-SE" sz="2660" dirty="0" err="1">
+                <a:solidFill>
+                  <a:schemeClr val="tx1"/>
+                </a:solidFill>
+                <a:latin typeface="Times New Roman" panose="02020603050405020304" pitchFamily="18" charset="0"/>
+                <a:cs typeface="Times New Roman" panose="02020603050405020304" pitchFamily="18" charset="0"/>
+              </a:rPr>
+              <a:t>Semiconductor</a:t>
+            </a:r>
+            <a:r>
+              <a:rPr lang="sv-SE" sz="2660" dirty="0">
+                <a:solidFill>
+                  <a:schemeClr val="tx1"/>
+                </a:solidFill>
+                <a:latin typeface="Times New Roman" panose="02020603050405020304" pitchFamily="18" charset="0"/>
+                <a:cs typeface="Times New Roman" panose="02020603050405020304" pitchFamily="18" charset="0"/>
+              </a:rPr>
+              <a:t> Loss </a:t>
+            </a:r>
+            <a:r>
+              <a:rPr lang="sv-SE" sz="2660" dirty="0" err="1">
+                <a:solidFill>
+                  <a:schemeClr val="tx1"/>
+                </a:solidFill>
+                <a:latin typeface="Times New Roman" panose="02020603050405020304" pitchFamily="18" charset="0"/>
+                <a:cs typeface="Times New Roman" panose="02020603050405020304" pitchFamily="18" charset="0"/>
+              </a:rPr>
+              <a:t>Calculation</a:t>
+            </a:r>
+            <a:endParaRPr lang="sv-SE" sz="2660" dirty="0">
+              <a:solidFill>
+                <a:schemeClr val="tx1"/>
+              </a:solidFill>
+              <a:latin typeface="Times New Roman" panose="02020603050405020304" pitchFamily="18" charset="0"/>
+              <a:cs typeface="Times New Roman" panose="02020603050405020304" pitchFamily="18" charset="0"/>
+            </a:endParaRPr>
+          </a:p>
+        </p:txBody>
+      </p:sp>
+      <p:sp>
+        <p:nvSpPr>
+          <p:cNvPr id="224" name="Rounded Rectangle 223"/>
+          <p:cNvSpPr/>
+          <p:nvPr/>
+        </p:nvSpPr>
+        <p:spPr>
+          <a:xfrm>
+            <a:off x="9336333" y="9567881"/>
+            <a:ext cx="4006311" cy="867167"/>
+          </a:xfrm>
+          <a:prstGeom prst="roundRect">
+            <a:avLst/>
+          </a:prstGeom>
+          <a:noFill/>
+          <a:ln>
+            <a:solidFill>
+              <a:schemeClr val="tx1"/>
+            </a:solidFill>
+          </a:ln>
+          <a:effectLst>
+            <a:outerShdw blurRad="50800" dist="50800" dir="5400000" sy="23000" kx="-1200000" algn="ctr" rotWithShape="0">
+              <a:srgbClr val="000000">
+                <a:alpha val="0"/>
+              </a:srgbClr>
+            </a:outerShdw>
+          </a:effectLst>
+        </p:spPr>
+        <p:style>
+          <a:lnRef idx="2">
+            <a:schemeClr val="accent1">
+              <a:shade val="50000"/>
+            </a:schemeClr>
+          </a:lnRef>
+          <a:fillRef idx="1">
+            <a:schemeClr val="accent1"/>
+          </a:fillRef>
+          <a:effectRef idx="0">
+            <a:schemeClr val="accent1"/>
+          </a:effectRef>
+          <a:fontRef idx="minor">
+            <a:schemeClr val="lt1"/>
+          </a:fontRef>
+        </p:style>
+        <p:txBody>
+          <a:bodyPr rot="0" spcFirstLastPara="0" vertOverflow="overflow" horzOverflow="overflow" vert="horz" wrap="square" lIns="135005" tIns="67504" rIns="135005" bIns="67504" numCol="1" spcCol="0" rtlCol="0" fromWordArt="0" anchor="ctr" anchorCtr="0" forceAA="0" compatLnSpc="1">
+            <a:prstTxWarp prst="textNoShape">
+              <a:avLst/>
+            </a:prstTxWarp>
+            <a:noAutofit/>
+          </a:bodyPr>
+          <a:lstStyle/>
+          <a:p>
+            <a:pPr algn="ctr"/>
+            <a:r>
+              <a:rPr lang="sv-SE" sz="2660" dirty="0" err="1">
+                <a:solidFill>
+                  <a:schemeClr val="tx1"/>
+                </a:solidFill>
+                <a:latin typeface="Times New Roman" panose="02020603050405020304" pitchFamily="18" charset="0"/>
+                <a:cs typeface="Times New Roman" panose="02020603050405020304" pitchFamily="18" charset="0"/>
+              </a:rPr>
+              <a:t>Thermal</a:t>
+            </a:r>
+            <a:r>
+              <a:rPr lang="sv-SE" sz="2660" dirty="0">
+                <a:solidFill>
+                  <a:schemeClr val="tx1"/>
+                </a:solidFill>
+                <a:latin typeface="Times New Roman" panose="02020603050405020304" pitchFamily="18" charset="0"/>
+                <a:cs typeface="Times New Roman" panose="02020603050405020304" pitchFamily="18" charset="0"/>
+              </a:rPr>
+              <a:t> </a:t>
+            </a:r>
+            <a:r>
+              <a:rPr lang="sv-SE" sz="2660" dirty="0" err="1">
+                <a:solidFill>
+                  <a:schemeClr val="tx1"/>
+                </a:solidFill>
+                <a:latin typeface="Times New Roman" panose="02020603050405020304" pitchFamily="18" charset="0"/>
+                <a:cs typeface="Times New Roman" panose="02020603050405020304" pitchFamily="18" charset="0"/>
+              </a:rPr>
+              <a:t>Model</a:t>
+            </a:r>
+            <a:endParaRPr lang="sv-SE" sz="2660" dirty="0">
+              <a:solidFill>
+                <a:schemeClr val="tx1"/>
+              </a:solidFill>
+              <a:latin typeface="Times New Roman" panose="02020603050405020304" pitchFamily="18" charset="0"/>
+              <a:cs typeface="Times New Roman" panose="02020603050405020304" pitchFamily="18" charset="0"/>
+            </a:endParaRPr>
+          </a:p>
+        </p:txBody>
+      </p:sp>
+      <p:cxnSp>
+        <p:nvCxnSpPr>
+          <p:cNvPr id="225" name="Straight Arrow Connector 224"/>
+          <p:cNvCxnSpPr>
+            <a:stCxn id="223" idx="2"/>
+            <a:endCxn id="224" idx="0"/>
+          </p:cNvCxnSpPr>
+          <p:nvPr/>
+        </p:nvCxnSpPr>
+        <p:spPr>
+          <a:xfrm>
+            <a:off x="11319225" y="8814514"/>
+            <a:ext cx="20264" cy="753367"/>
+          </a:xfrm>
+          <a:prstGeom prst="straightConnector1">
+            <a:avLst/>
+          </a:prstGeom>
+          <a:ln w="25400">
+            <a:solidFill>
+              <a:schemeClr val="tx1"/>
+            </a:solidFill>
+            <a:tailEnd type="triangle"/>
+          </a:ln>
+          <a:effectLst>
+            <a:outerShdw blurRad="50800" dist="50800" dir="5400000" algn="ctr" rotWithShape="0">
+              <a:srgbClr val="000000">
+                <a:alpha val="0"/>
+              </a:srgbClr>
+            </a:outerShdw>
+            <a:reflection endPos="2000" dist="50800" dir="5400000" sy="-100000" algn="bl" rotWithShape="0"/>
+          </a:effectLst>
+        </p:spPr>
+        <p:style>
+          <a:lnRef idx="1">
+            <a:schemeClr val="accent1"/>
+          </a:lnRef>
+          <a:fillRef idx="0">
+            <a:schemeClr val="accent1"/>
+          </a:fillRef>
+          <a:effectRef idx="0">
+            <a:schemeClr val="accent1"/>
+          </a:effectRef>
+          <a:fontRef idx="minor">
+            <a:schemeClr val="tx1"/>
+          </a:fontRef>
+        </p:style>
+      </p:cxnSp>
+      <p:cxnSp>
+        <p:nvCxnSpPr>
+          <p:cNvPr id="226" name="Straight Arrow Connector 225"/>
+          <p:cNvCxnSpPr>
+            <a:endCxn id="223" idx="1"/>
+          </p:cNvCxnSpPr>
+          <p:nvPr/>
+        </p:nvCxnSpPr>
+        <p:spPr>
+          <a:xfrm>
+            <a:off x="8427935" y="8380929"/>
+            <a:ext cx="888133" cy="0"/>
+          </a:xfrm>
+          <a:prstGeom prst="straightConnector1">
+            <a:avLst/>
+          </a:prstGeom>
+          <a:ln w="25400">
+            <a:solidFill>
+              <a:schemeClr val="tx1"/>
+            </a:solidFill>
+            <a:tailEnd type="triangle"/>
+          </a:ln>
+          <a:effectLst>
+            <a:outerShdw blurRad="50800" dist="50800" dir="5400000" algn="ctr" rotWithShape="0">
+              <a:srgbClr val="000000">
+                <a:alpha val="0"/>
+              </a:srgbClr>
+            </a:outerShdw>
+            <a:reflection endPos="2000" dist="50800" dir="5400000" sy="-100000" algn="bl" rotWithShape="0"/>
+          </a:effectLst>
+        </p:spPr>
+        <p:style>
+          <a:lnRef idx="1">
+            <a:schemeClr val="accent1"/>
+          </a:lnRef>
+          <a:fillRef idx="0">
+            <a:schemeClr val="accent1"/>
+          </a:fillRef>
+          <a:effectRef idx="0">
+            <a:schemeClr val="accent1"/>
+          </a:effectRef>
+          <a:fontRef idx="minor">
+            <a:schemeClr val="tx1"/>
+          </a:fontRef>
+        </p:style>
+      </p:cxnSp>
+      <p:sp>
+        <p:nvSpPr>
+          <p:cNvPr id="228" name="Rectangle 227"/>
+          <p:cNvSpPr/>
+          <p:nvPr/>
+        </p:nvSpPr>
+        <p:spPr>
+          <a:xfrm>
+            <a:off x="11388307" y="8784584"/>
+            <a:ext cx="526106" cy="501676"/>
+          </a:xfrm>
+          <a:prstGeom prst="rect">
+            <a:avLst/>
+          </a:prstGeom>
+          <a:effectLst>
+            <a:outerShdw blurRad="50800" dist="50800" dir="5400000" algn="ctr" rotWithShape="0">
+              <a:srgbClr val="000000">
+                <a:alpha val="0"/>
+              </a:srgbClr>
+            </a:outerShdw>
+          </a:effectLst>
+        </p:spPr>
+        <p:txBody>
+          <a:bodyPr wrap="none">
+            <a:spAutoFit/>
+          </a:bodyPr>
+          <a:lstStyle/>
+          <a:p>
+            <a:r>
+              <a:rPr lang="sv-SE" sz="2660" dirty="0">
+                <a:latin typeface="Times New Roman" panose="02020603050405020304" pitchFamily="18" charset="0"/>
+                <a:cs typeface="Times New Roman" panose="02020603050405020304" pitchFamily="18" charset="0"/>
+              </a:rPr>
+              <a:t>W</a:t>
+            </a:r>
+          </a:p>
+        </p:txBody>
+      </p:sp>
+      <p:cxnSp>
+        <p:nvCxnSpPr>
+          <p:cNvPr id="229" name="Straight Arrow Connector 228"/>
+          <p:cNvCxnSpPr/>
+          <p:nvPr/>
+        </p:nvCxnSpPr>
+        <p:spPr>
+          <a:xfrm>
+            <a:off x="8427938" y="8380932"/>
+            <a:ext cx="12294" cy="3596431"/>
+          </a:xfrm>
+          <a:prstGeom prst="straightConnector1">
+            <a:avLst/>
+          </a:prstGeom>
+          <a:ln w="25400">
+            <a:solidFill>
+              <a:schemeClr val="tx1"/>
+            </a:solidFill>
+            <a:tailEnd type="none"/>
+          </a:ln>
+          <a:effectLst>
+            <a:outerShdw blurRad="50800" dist="50800" dir="5400000" algn="ctr" rotWithShape="0">
+              <a:srgbClr val="000000">
+                <a:alpha val="0"/>
+              </a:srgbClr>
+            </a:outerShdw>
+            <a:reflection endPos="2000" dist="50800" dir="5400000" sy="-100000" algn="bl" rotWithShape="0"/>
+          </a:effectLst>
+        </p:spPr>
+        <p:style>
+          <a:lnRef idx="1">
+            <a:schemeClr val="accent1"/>
+          </a:lnRef>
+          <a:fillRef idx="0">
+            <a:schemeClr val="accent1"/>
+          </a:fillRef>
+          <a:effectRef idx="0">
+            <a:schemeClr val="accent1"/>
+          </a:effectRef>
+          <a:fontRef idx="minor">
+            <a:schemeClr val="tx1"/>
+          </a:fontRef>
+        </p:style>
+      </p:cxnSp>
+      <p:cxnSp>
+        <p:nvCxnSpPr>
+          <p:cNvPr id="230" name="Straight Arrow Connector 229"/>
+          <p:cNvCxnSpPr>
+            <a:stCxn id="224" idx="2"/>
+            <a:endCxn id="234" idx="0"/>
+          </p:cNvCxnSpPr>
+          <p:nvPr/>
+        </p:nvCxnSpPr>
+        <p:spPr>
+          <a:xfrm>
+            <a:off x="11339489" y="10435050"/>
+            <a:ext cx="91" cy="924927"/>
+          </a:xfrm>
+          <a:prstGeom prst="straightConnector1">
+            <a:avLst/>
+          </a:prstGeom>
+          <a:ln w="25400">
+            <a:solidFill>
+              <a:schemeClr val="tx1"/>
+            </a:solidFill>
+            <a:tailEnd type="triangle"/>
+          </a:ln>
+          <a:effectLst>
+            <a:outerShdw blurRad="50800" dist="50800" dir="5400000" algn="ctr" rotWithShape="0">
+              <a:srgbClr val="000000">
+                <a:alpha val="0"/>
+              </a:srgbClr>
+            </a:outerShdw>
+            <a:reflection endPos="2000" dist="50800" dir="5400000" sy="-100000" algn="bl" rotWithShape="0"/>
+          </a:effectLst>
+        </p:spPr>
+        <p:style>
+          <a:lnRef idx="1">
+            <a:schemeClr val="accent1"/>
+          </a:lnRef>
+          <a:fillRef idx="0">
+            <a:schemeClr val="accent1"/>
+          </a:fillRef>
+          <a:effectRef idx="0">
+            <a:schemeClr val="accent1"/>
+          </a:effectRef>
+          <a:fontRef idx="minor">
+            <a:schemeClr val="tx1"/>
+          </a:fontRef>
+        </p:style>
+      </p:cxnSp>
+      <p:sp>
+        <p:nvSpPr>
+          <p:cNvPr id="234" name="Diamond 233"/>
+          <p:cNvSpPr/>
+          <p:nvPr/>
+        </p:nvSpPr>
+        <p:spPr>
+          <a:xfrm>
+            <a:off x="9517327" y="11359977"/>
+            <a:ext cx="3644505" cy="1242521"/>
+          </a:xfrm>
+          <a:prstGeom prst="diamond">
+            <a:avLst/>
+          </a:prstGeom>
+          <a:noFill/>
+          <a:ln>
+            <a:solidFill>
+              <a:schemeClr val="tx1"/>
+            </a:solidFill>
+          </a:ln>
+          <a:effectLst>
+            <a:outerShdw blurRad="50800" dist="50800" dir="5400000" algn="ctr" rotWithShape="0">
+              <a:srgbClr val="000000">
+                <a:alpha val="0"/>
+              </a:srgbClr>
+            </a:outerShdw>
+          </a:effectLst>
+        </p:spPr>
+        <p:style>
+          <a:lnRef idx="2">
+            <a:schemeClr val="accent1">
+              <a:shade val="50000"/>
+            </a:schemeClr>
+          </a:lnRef>
+          <a:fillRef idx="1">
+            <a:schemeClr val="accent1"/>
+          </a:fillRef>
+          <a:effectRef idx="0">
+            <a:schemeClr val="accent1"/>
+          </a:effectRef>
+          <a:fontRef idx="minor">
+            <a:schemeClr val="lt1"/>
+          </a:fontRef>
+        </p:style>
+        <p:txBody>
+          <a:bodyPr rot="0" spcFirstLastPara="0" vertOverflow="overflow" horzOverflow="overflow" vert="horz" wrap="square" lIns="135005" tIns="67504" rIns="135005" bIns="67504" numCol="1" spcCol="0" rtlCol="0" fromWordArt="0" anchor="ctr" anchorCtr="0" forceAA="0" compatLnSpc="1">
+            <a:prstTxWarp prst="textNoShape">
+              <a:avLst/>
+            </a:prstTxWarp>
+            <a:noAutofit/>
+          </a:bodyPr>
+          <a:lstStyle/>
+          <a:p>
+            <a:pPr algn="ctr"/>
+            <a:endParaRPr lang="sv-SE" sz="2660">
+              <a:latin typeface="Times New Roman" panose="02020603050405020304" pitchFamily="18" charset="0"/>
+              <a:cs typeface="Times New Roman" panose="02020603050405020304" pitchFamily="18" charset="0"/>
+            </a:endParaRPr>
+          </a:p>
+        </p:txBody>
+      </p:sp>
+      <p:sp>
+        <p:nvSpPr>
+          <p:cNvPr id="235" name="Rectangle 234"/>
+          <p:cNvSpPr/>
+          <p:nvPr/>
+        </p:nvSpPr>
+        <p:spPr>
+          <a:xfrm>
+            <a:off x="11598323" y="10690678"/>
+            <a:ext cx="648767" cy="501676"/>
+          </a:xfrm>
+          <a:prstGeom prst="rect">
+            <a:avLst/>
+          </a:prstGeom>
+          <a:effectLst>
+            <a:outerShdw blurRad="50800" dist="50800" dir="5400000" algn="ctr" rotWithShape="0">
+              <a:srgbClr val="000000">
+                <a:alpha val="0"/>
+              </a:srgbClr>
+            </a:outerShdw>
+          </a:effectLst>
+        </p:spPr>
+        <p:txBody>
+          <a:bodyPr wrap="square">
+            <a:spAutoFit/>
+          </a:bodyPr>
+          <a:lstStyle/>
+          <a:p>
+            <a:r>
+              <a:rPr lang="sv-SE" sz="2660" dirty="0" err="1">
+                <a:latin typeface="Times New Roman" panose="02020603050405020304" pitchFamily="18" charset="0"/>
+                <a:cs typeface="Times New Roman" panose="02020603050405020304" pitchFamily="18" charset="0"/>
+              </a:rPr>
+              <a:t>Tj</a:t>
+            </a:r>
+            <a:r>
+              <a:rPr lang="sv-SE" sz="2660" dirty="0">
+                <a:latin typeface="Times New Roman" panose="02020603050405020304" pitchFamily="18" charset="0"/>
+                <a:cs typeface="Times New Roman" panose="02020603050405020304" pitchFamily="18" charset="0"/>
+              </a:rPr>
+              <a:t> </a:t>
+            </a:r>
+          </a:p>
+        </p:txBody>
+      </p:sp>
+      <p:sp>
+        <p:nvSpPr>
+          <p:cNvPr id="236" name="Rectangle 235"/>
+          <p:cNvSpPr/>
+          <p:nvPr/>
+        </p:nvSpPr>
+        <p:spPr>
+          <a:xfrm>
+            <a:off x="10001681" y="11640504"/>
+            <a:ext cx="2813782" cy="501676"/>
+          </a:xfrm>
+          <a:prstGeom prst="rect">
+            <a:avLst/>
+          </a:prstGeom>
+          <a:effectLst>
+            <a:outerShdw blurRad="50800" dist="50800" dir="5400000" algn="ctr" rotWithShape="0">
+              <a:srgbClr val="000000">
+                <a:alpha val="0"/>
+              </a:srgbClr>
+            </a:outerShdw>
+          </a:effectLst>
+        </p:spPr>
+        <p:txBody>
+          <a:bodyPr wrap="square">
+            <a:spAutoFit/>
+          </a:bodyPr>
+          <a:lstStyle/>
+          <a:p>
+            <a:r>
+              <a:rPr lang="sv-SE" sz="2660" dirty="0">
+                <a:latin typeface="Times New Roman" panose="02020603050405020304" pitchFamily="18" charset="0"/>
+                <a:cs typeface="Times New Roman" panose="02020603050405020304" pitchFamily="18" charset="0"/>
+              </a:rPr>
+              <a:t>|</a:t>
+            </a:r>
+            <a:r>
+              <a:rPr lang="sv-SE" sz="2660" dirty="0" err="1">
+                <a:latin typeface="Times New Roman" panose="02020603050405020304" pitchFamily="18" charset="0"/>
+                <a:cs typeface="Times New Roman" panose="02020603050405020304" pitchFamily="18" charset="0"/>
+              </a:rPr>
+              <a:t>Tj</a:t>
+            </a:r>
+            <a:r>
+              <a:rPr lang="sv-SE" sz="2660" dirty="0">
+                <a:latin typeface="Times New Roman" panose="02020603050405020304" pitchFamily="18" charset="0"/>
+                <a:cs typeface="Times New Roman" panose="02020603050405020304" pitchFamily="18" charset="0"/>
+              </a:rPr>
+              <a:t> (k)-</a:t>
+            </a:r>
+            <a:r>
+              <a:rPr lang="sv-SE" sz="2660" dirty="0" err="1">
+                <a:latin typeface="Times New Roman" panose="02020603050405020304" pitchFamily="18" charset="0"/>
+                <a:cs typeface="Times New Roman" panose="02020603050405020304" pitchFamily="18" charset="0"/>
+              </a:rPr>
+              <a:t>Tj</a:t>
+            </a:r>
+            <a:r>
+              <a:rPr lang="sv-SE" sz="2660" dirty="0">
+                <a:latin typeface="Times New Roman" panose="02020603050405020304" pitchFamily="18" charset="0"/>
+                <a:cs typeface="Times New Roman" panose="02020603050405020304" pitchFamily="18" charset="0"/>
+              </a:rPr>
+              <a:t>(k-1)|&lt; </a:t>
+            </a:r>
+            <a:r>
+              <a:rPr lang="el-GR" sz="2660" dirty="0">
+                <a:latin typeface="Times New Roman" panose="02020603050405020304" pitchFamily="18" charset="0"/>
+                <a:cs typeface="Times New Roman" panose="02020603050405020304" pitchFamily="18" charset="0"/>
+              </a:rPr>
+              <a:t>ϵ</a:t>
+            </a:r>
+            <a:r>
+              <a:rPr lang="sv-SE" sz="2660" dirty="0">
+                <a:latin typeface="Times New Roman" panose="02020603050405020304" pitchFamily="18" charset="0"/>
+                <a:cs typeface="Times New Roman" panose="02020603050405020304" pitchFamily="18" charset="0"/>
+              </a:rPr>
+              <a:t> </a:t>
+            </a:r>
+          </a:p>
+        </p:txBody>
+      </p:sp>
+      <p:cxnSp>
+        <p:nvCxnSpPr>
+          <p:cNvPr id="237" name="Straight Arrow Connector 236"/>
+          <p:cNvCxnSpPr>
+            <a:stCxn id="234" idx="1"/>
+          </p:cNvCxnSpPr>
+          <p:nvPr/>
+        </p:nvCxnSpPr>
+        <p:spPr>
+          <a:xfrm flipH="1" flipV="1">
+            <a:off x="8440232" y="11975427"/>
+            <a:ext cx="1077095" cy="5811"/>
+          </a:xfrm>
+          <a:prstGeom prst="straightConnector1">
+            <a:avLst/>
+          </a:prstGeom>
+          <a:ln w="25400">
+            <a:solidFill>
+              <a:schemeClr val="tx1"/>
+            </a:solidFill>
+            <a:tailEnd type="none"/>
+          </a:ln>
+          <a:effectLst>
+            <a:outerShdw blurRad="50800" dist="50800" dir="5400000" algn="ctr" rotWithShape="0">
+              <a:srgbClr val="000000">
+                <a:alpha val="0"/>
+              </a:srgbClr>
+            </a:outerShdw>
+            <a:reflection endPos="2000" dist="50800" dir="5400000" sy="-100000" algn="bl" rotWithShape="0"/>
+          </a:effectLst>
+        </p:spPr>
+        <p:style>
+          <a:lnRef idx="1">
+            <a:schemeClr val="accent1"/>
+          </a:lnRef>
+          <a:fillRef idx="0">
+            <a:schemeClr val="accent1"/>
+          </a:fillRef>
+          <a:effectRef idx="0">
+            <a:schemeClr val="accent1"/>
+          </a:effectRef>
+          <a:fontRef idx="minor">
+            <a:schemeClr val="tx1"/>
+          </a:fontRef>
+        </p:style>
+      </p:cxnSp>
+      <p:sp>
+        <p:nvSpPr>
+          <p:cNvPr id="238" name="Rectangle 237"/>
+          <p:cNvSpPr/>
+          <p:nvPr/>
+        </p:nvSpPr>
+        <p:spPr>
+          <a:xfrm>
+            <a:off x="8812886" y="11396020"/>
+            <a:ext cx="1046897" cy="501676"/>
+          </a:xfrm>
+          <a:prstGeom prst="rect">
+            <a:avLst/>
+          </a:prstGeom>
+          <a:effectLst>
+            <a:outerShdw blurRad="50800" dist="50800" dir="5400000" algn="ctr" rotWithShape="0">
+              <a:srgbClr val="000000">
+                <a:alpha val="0"/>
+              </a:srgbClr>
+            </a:outerShdw>
+          </a:effectLst>
+        </p:spPr>
+        <p:txBody>
+          <a:bodyPr wrap="square">
+            <a:spAutoFit/>
+          </a:bodyPr>
+          <a:lstStyle/>
+          <a:p>
+            <a:r>
+              <a:rPr lang="sv-SE" sz="2660" dirty="0">
+                <a:latin typeface="Times New Roman" panose="02020603050405020304" pitchFamily="18" charset="0"/>
+                <a:cs typeface="Times New Roman" panose="02020603050405020304" pitchFamily="18" charset="0"/>
+              </a:rPr>
+              <a:t>No</a:t>
+            </a:r>
+          </a:p>
+        </p:txBody>
+      </p:sp>
+      <p:cxnSp>
+        <p:nvCxnSpPr>
+          <p:cNvPr id="239" name="Straight Arrow Connector 238"/>
+          <p:cNvCxnSpPr>
+            <a:stCxn id="234" idx="2"/>
+          </p:cNvCxnSpPr>
+          <p:nvPr/>
+        </p:nvCxnSpPr>
+        <p:spPr>
+          <a:xfrm flipH="1">
+            <a:off x="11339489" y="12602498"/>
+            <a:ext cx="91" cy="961990"/>
+          </a:xfrm>
+          <a:prstGeom prst="straightConnector1">
+            <a:avLst/>
+          </a:prstGeom>
+          <a:ln w="25400">
+            <a:solidFill>
+              <a:schemeClr val="tx1"/>
+            </a:solidFill>
+            <a:tailEnd type="triangle"/>
+          </a:ln>
+          <a:effectLst>
+            <a:outerShdw blurRad="50800" dist="50800" dir="5400000" algn="ctr" rotWithShape="0">
+              <a:srgbClr val="000000">
+                <a:alpha val="0"/>
+              </a:srgbClr>
+            </a:outerShdw>
+            <a:reflection endPos="2000" dist="50800" dir="5400000" sy="-100000" algn="bl" rotWithShape="0"/>
+          </a:effectLst>
+        </p:spPr>
+        <p:style>
+          <a:lnRef idx="1">
+            <a:schemeClr val="accent1"/>
+          </a:lnRef>
+          <a:fillRef idx="0">
+            <a:schemeClr val="accent1"/>
+          </a:fillRef>
+          <a:effectRef idx="0">
+            <a:schemeClr val="accent1"/>
+          </a:effectRef>
+          <a:fontRef idx="minor">
+            <a:schemeClr val="tx1"/>
+          </a:fontRef>
+        </p:style>
+      </p:cxnSp>
+      <p:sp>
+        <p:nvSpPr>
+          <p:cNvPr id="240" name="Rectangle 239"/>
+          <p:cNvSpPr/>
+          <p:nvPr/>
+        </p:nvSpPr>
+        <p:spPr>
+          <a:xfrm>
+            <a:off x="11378863" y="12602496"/>
+            <a:ext cx="1046897" cy="501676"/>
+          </a:xfrm>
+          <a:prstGeom prst="rect">
+            <a:avLst/>
+          </a:prstGeom>
+          <a:effectLst>
+            <a:outerShdw blurRad="50800" dist="50800" dir="5400000" algn="ctr" rotWithShape="0">
+              <a:srgbClr val="000000">
+                <a:alpha val="0"/>
+              </a:srgbClr>
+            </a:outerShdw>
+          </a:effectLst>
+        </p:spPr>
+        <p:txBody>
+          <a:bodyPr wrap="square">
+            <a:spAutoFit/>
+          </a:bodyPr>
+          <a:lstStyle/>
+          <a:p>
+            <a:r>
+              <a:rPr lang="sv-SE" sz="2660" dirty="0" err="1">
+                <a:latin typeface="Times New Roman" panose="02020603050405020304" pitchFamily="18" charset="0"/>
+                <a:cs typeface="Times New Roman" panose="02020603050405020304" pitchFamily="18" charset="0"/>
+              </a:rPr>
+              <a:t>Yes</a:t>
+            </a:r>
+            <a:endParaRPr lang="sv-SE" sz="2660" dirty="0">
+              <a:latin typeface="Times New Roman" panose="02020603050405020304" pitchFamily="18" charset="0"/>
+              <a:cs typeface="Times New Roman" panose="02020603050405020304" pitchFamily="18" charset="0"/>
+            </a:endParaRPr>
+          </a:p>
+        </p:txBody>
+      </p:sp>
+      <p:sp>
+        <p:nvSpPr>
+          <p:cNvPr id="242" name="Rectangle 241"/>
+          <p:cNvSpPr/>
+          <p:nvPr/>
+        </p:nvSpPr>
+        <p:spPr>
+          <a:xfrm>
+            <a:off x="8586960" y="7851628"/>
+            <a:ext cx="570089" cy="501676"/>
+          </a:xfrm>
+          <a:prstGeom prst="rect">
+            <a:avLst/>
+          </a:prstGeom>
+          <a:effectLst>
+            <a:outerShdw blurRad="50800" dist="50800" dir="5400000" algn="ctr" rotWithShape="0">
+              <a:srgbClr val="000000">
+                <a:alpha val="0"/>
+              </a:srgbClr>
+            </a:outerShdw>
+          </a:effectLst>
+        </p:spPr>
+        <p:txBody>
+          <a:bodyPr wrap="square">
+            <a:spAutoFit/>
+          </a:bodyPr>
+          <a:lstStyle/>
+          <a:p>
+            <a:r>
+              <a:rPr lang="sv-SE" sz="2660" dirty="0" err="1">
+                <a:latin typeface="Times New Roman" panose="02020603050405020304" pitchFamily="18" charset="0"/>
+                <a:cs typeface="Times New Roman" panose="02020603050405020304" pitchFamily="18" charset="0"/>
+              </a:rPr>
+              <a:t>Tj</a:t>
+            </a:r>
+            <a:r>
+              <a:rPr lang="sv-SE" sz="2660" dirty="0">
+                <a:latin typeface="Times New Roman" panose="02020603050405020304" pitchFamily="18" charset="0"/>
+                <a:cs typeface="Times New Roman" panose="02020603050405020304" pitchFamily="18" charset="0"/>
+              </a:rPr>
+              <a:t> </a:t>
+            </a:r>
+          </a:p>
+        </p:txBody>
+      </p:sp>
+      <p:cxnSp>
+        <p:nvCxnSpPr>
+          <p:cNvPr id="271" name="Straight Arrow Connector 270"/>
+          <p:cNvCxnSpPr>
+            <a:stCxn id="211" idx="2"/>
+            <a:endCxn id="223" idx="0"/>
+          </p:cNvCxnSpPr>
+          <p:nvPr/>
+        </p:nvCxnSpPr>
+        <p:spPr>
+          <a:xfrm>
+            <a:off x="11319225" y="7325327"/>
+            <a:ext cx="0" cy="622020"/>
+          </a:xfrm>
+          <a:prstGeom prst="straightConnector1">
+            <a:avLst/>
+          </a:prstGeom>
+          <a:ln w="25400">
+            <a:solidFill>
+              <a:schemeClr val="tx1"/>
+            </a:solidFill>
+            <a:tailEnd type="triangle"/>
+          </a:ln>
+          <a:effectLst>
+            <a:outerShdw blurRad="50800" dist="50800" dir="5400000" algn="ctr" rotWithShape="0">
+              <a:srgbClr val="000000">
+                <a:alpha val="0"/>
+              </a:srgbClr>
+            </a:outerShdw>
+            <a:reflection endPos="2000" dist="50800" dir="5400000" sy="-100000" algn="bl" rotWithShape="0"/>
+          </a:effectLst>
+        </p:spPr>
+        <p:style>
+          <a:lnRef idx="1">
+            <a:schemeClr val="accent1"/>
+          </a:lnRef>
+          <a:fillRef idx="0">
+            <a:schemeClr val="accent1"/>
+          </a:fillRef>
+          <a:effectRef idx="0">
+            <a:schemeClr val="accent1"/>
+          </a:effectRef>
+          <a:fontRef idx="minor">
+            <a:schemeClr val="tx1"/>
+          </a:fontRef>
+        </p:style>
+      </p:cxnSp>
+      <p:sp>
+        <p:nvSpPr>
+          <p:cNvPr id="81" name="Rectangle 80"/>
+          <p:cNvSpPr/>
+          <p:nvPr/>
+        </p:nvSpPr>
+        <p:spPr>
+          <a:xfrm>
+            <a:off x="10405770" y="12883025"/>
+            <a:ext cx="973093" cy="501676"/>
+          </a:xfrm>
+          <a:prstGeom prst="rect">
+            <a:avLst/>
+          </a:prstGeom>
+          <a:effectLst>
+            <a:outerShdw blurRad="50800" dist="50800" dir="5400000" algn="ctr" rotWithShape="0">
+              <a:srgbClr val="000000">
+                <a:alpha val="0"/>
+              </a:srgbClr>
+            </a:outerShdw>
+          </a:effectLst>
+        </p:spPr>
+        <p:txBody>
+          <a:bodyPr wrap="square">
+            <a:spAutoFit/>
+          </a:bodyPr>
+          <a:lstStyle/>
+          <a:p>
+            <a:r>
+              <a:rPr lang="sv-SE" sz="2660" dirty="0" err="1">
+                <a:latin typeface="Times New Roman" panose="02020603050405020304" pitchFamily="18" charset="0"/>
+                <a:cs typeface="Times New Roman" panose="02020603050405020304" pitchFamily="18" charset="0"/>
+              </a:rPr>
+              <a:t>Tj</a:t>
+            </a:r>
+            <a:r>
+              <a:rPr lang="sv-SE" sz="2660" dirty="0">
+                <a:latin typeface="Times New Roman" panose="02020603050405020304" pitchFamily="18" charset="0"/>
+                <a:cs typeface="Times New Roman" panose="02020603050405020304" pitchFamily="18" charset="0"/>
+              </a:rPr>
+              <a:t> (t) </a:t>
+            </a:r>
+          </a:p>
+        </p:txBody>
+      </p:sp>
+    </p:spTree>
+    <p:extLst>
+      <p:ext uri="{BB962C8B-B14F-4D97-AF65-F5344CB8AC3E}">
+        <p14:creationId xmlns:p14="http://schemas.microsoft.com/office/powerpoint/2010/main" val="3182235160"/>
+      </p:ext>
+    </p:extLst>
+  </p:cSld>
+  <p:clrMapOvr>
+    <a:masterClrMapping/>
+  </p:clrMapOvr>
+  <p:timing>
+    <p:tnLst>
+      <p:par>
+        <p:cTn id="1" dur="indefinite" restart="never" nodeType="tmRoot"/>
+      </p:par>
+    </p:tnLst>
+  </p:timing>
+</p:sld>
+</file>
+
 <file path=ppt/theme/theme1.xml><?xml version="1.0" encoding="utf-8"?>
 <a:theme xmlns:a="http://schemas.openxmlformats.org/drawingml/2006/main" name="Office Theme">
   <a:themeElements>
